--- a/Thesis-Proposal/src/images/probComp.pptx
+++ b/Thesis-Proposal/src/images/probComp.pptx
@@ -7,6 +7,8 @@
   <p:sldIdLst>
     <p:sldId id="256" r:id="rId2"/>
     <p:sldId id="257" r:id="rId3"/>
+    <p:sldId id="258" r:id="rId4"/>
+    <p:sldId id="259" r:id="rId5"/>
   </p:sldIdLst>
   <p:sldSz cx="12192000" cy="6858000"/>
   <p:notesSz cx="6858000" cy="9144000"/>
@@ -105,6 +107,11 @@
       </a:defRPr>
     </a:lvl9pPr>
   </p:defaultTextStyle>
+  <p:extLst>
+    <p:ext uri="{EFAFB233-063F-42B5-8137-9DF3F51BA10A}">
+      <p15:sldGuideLst xmlns:p15="http://schemas.microsoft.com/office/powerpoint/2012/main"/>
+    </p:ext>
+  </p:extLst>
 </p:presentation>
 </file>
 
@@ -239,7 +246,7 @@
           <a:p>
             <a:fld id="{E14539AC-C2FC-4581-8474-B9BEAD3D7365}" type="datetimeFigureOut">
               <a:rPr lang="en-US" smtClean="0"/>
-              <a:t>11/20/2019</a:t>
+              <a:t>11/29/2019</a:t>
             </a:fld>
             <a:endParaRPr lang="en-US"/>
           </a:p>
@@ -409,7 +416,7 @@
           <a:p>
             <a:fld id="{E14539AC-C2FC-4581-8474-B9BEAD3D7365}" type="datetimeFigureOut">
               <a:rPr lang="en-US" smtClean="0"/>
-              <a:t>11/20/2019</a:t>
+              <a:t>11/29/2019</a:t>
             </a:fld>
             <a:endParaRPr lang="en-US"/>
           </a:p>
@@ -589,7 +596,7 @@
           <a:p>
             <a:fld id="{E14539AC-C2FC-4581-8474-B9BEAD3D7365}" type="datetimeFigureOut">
               <a:rPr lang="en-US" smtClean="0"/>
-              <a:t>11/20/2019</a:t>
+              <a:t>11/29/2019</a:t>
             </a:fld>
             <a:endParaRPr lang="en-US"/>
           </a:p>
@@ -759,7 +766,7 @@
           <a:p>
             <a:fld id="{E14539AC-C2FC-4581-8474-B9BEAD3D7365}" type="datetimeFigureOut">
               <a:rPr lang="en-US" smtClean="0"/>
-              <a:t>11/20/2019</a:t>
+              <a:t>11/29/2019</a:t>
             </a:fld>
             <a:endParaRPr lang="en-US"/>
           </a:p>
@@ -1005,7 +1012,7 @@
           <a:p>
             <a:fld id="{E14539AC-C2FC-4581-8474-B9BEAD3D7365}" type="datetimeFigureOut">
               <a:rPr lang="en-US" smtClean="0"/>
-              <a:t>11/20/2019</a:t>
+              <a:t>11/29/2019</a:t>
             </a:fld>
             <a:endParaRPr lang="en-US"/>
           </a:p>
@@ -1237,7 +1244,7 @@
           <a:p>
             <a:fld id="{E14539AC-C2FC-4581-8474-B9BEAD3D7365}" type="datetimeFigureOut">
               <a:rPr lang="en-US" smtClean="0"/>
-              <a:t>11/20/2019</a:t>
+              <a:t>11/29/2019</a:t>
             </a:fld>
             <a:endParaRPr lang="en-US"/>
           </a:p>
@@ -1604,7 +1611,7 @@
           <a:p>
             <a:fld id="{E14539AC-C2FC-4581-8474-B9BEAD3D7365}" type="datetimeFigureOut">
               <a:rPr lang="en-US" smtClean="0"/>
-              <a:t>11/20/2019</a:t>
+              <a:t>11/29/2019</a:t>
             </a:fld>
             <a:endParaRPr lang="en-US"/>
           </a:p>
@@ -1722,7 +1729,7 @@
           <a:p>
             <a:fld id="{E14539AC-C2FC-4581-8474-B9BEAD3D7365}" type="datetimeFigureOut">
               <a:rPr lang="en-US" smtClean="0"/>
-              <a:t>11/20/2019</a:t>
+              <a:t>11/29/2019</a:t>
             </a:fld>
             <a:endParaRPr lang="en-US"/>
           </a:p>
@@ -1817,7 +1824,7 @@
           <a:p>
             <a:fld id="{E14539AC-C2FC-4581-8474-B9BEAD3D7365}" type="datetimeFigureOut">
               <a:rPr lang="en-US" smtClean="0"/>
-              <a:t>11/20/2019</a:t>
+              <a:t>11/29/2019</a:t>
             </a:fld>
             <a:endParaRPr lang="en-US"/>
           </a:p>
@@ -2094,7 +2101,7 @@
           <a:p>
             <a:fld id="{E14539AC-C2FC-4581-8474-B9BEAD3D7365}" type="datetimeFigureOut">
               <a:rPr lang="en-US" smtClean="0"/>
-              <a:t>11/20/2019</a:t>
+              <a:t>11/29/2019</a:t>
             </a:fld>
             <a:endParaRPr lang="en-US"/>
           </a:p>
@@ -2347,7 +2354,7 @@
           <a:p>
             <a:fld id="{E14539AC-C2FC-4581-8474-B9BEAD3D7365}" type="datetimeFigureOut">
               <a:rPr lang="en-US" smtClean="0"/>
-              <a:t>11/20/2019</a:t>
+              <a:t>11/29/2019</a:t>
             </a:fld>
             <a:endParaRPr lang="en-US"/>
           </a:p>
@@ -2560,7 +2567,7 @@
           <a:p>
             <a:fld id="{E14539AC-C2FC-4581-8474-B9BEAD3D7365}" type="datetimeFigureOut">
               <a:rPr lang="en-US" smtClean="0"/>
-              <a:t>11/20/2019</a:t>
+              <a:t>11/29/2019</a:t>
             </a:fld>
             <a:endParaRPr lang="en-US"/>
           </a:p>
@@ -2965,8 +2972,8 @@
           <a:chExt cx="0" cy="0"/>
         </a:xfrm>
       </p:grpSpPr>
-      <mc:AlternateContent xmlns:mc="http://schemas.openxmlformats.org/markup-compatibility/2006">
-        <mc:Choice xmlns:a14="http://schemas.microsoft.com/office/drawing/2010/main" Requires="a14">
+      <mc:AlternateContent xmlns:mc="http://schemas.openxmlformats.org/markup-compatibility/2006" xmlns:a14="http://schemas.microsoft.com/office/drawing/2010/main">
+        <mc:Choice Requires="a14">
           <p:sp>
             <p:nvSpPr>
               <p:cNvPr id="4" name="Rounded Rectangle 3"/>
@@ -3047,7 +3054,7 @@
             </p:txBody>
           </p:sp>
         </mc:Choice>
-        <mc:Fallback>
+        <mc:Fallback xmlns="">
           <p:sp>
             <p:nvSpPr>
               <p:cNvPr id="4" name="Rounded Rectangle 3"/>
@@ -3275,8 +3282,8 @@
           </a:fontRef>
         </p:style>
       </p:cxnSp>
-      <mc:AlternateContent xmlns:mc="http://schemas.openxmlformats.org/markup-compatibility/2006">
-        <mc:Choice xmlns:a14="http://schemas.microsoft.com/office/drawing/2010/main" Requires="a14">
+      <mc:AlternateContent xmlns:mc="http://schemas.openxmlformats.org/markup-compatibility/2006" xmlns:a14="http://schemas.microsoft.com/office/drawing/2010/main">
+        <mc:Choice Requires="a14">
           <p:sp>
             <p:nvSpPr>
               <p:cNvPr id="22" name="Rounded Rectangle 21"/>
@@ -3381,7 +3388,7 @@
             </p:txBody>
           </p:sp>
         </mc:Choice>
-        <mc:Fallback>
+        <mc:Fallback xmlns="">
           <p:sp>
             <p:nvSpPr>
               <p:cNvPr id="22" name="Rounded Rectangle 21"/>
@@ -3536,8 +3543,8 @@
           </a:p>
         </p:txBody>
       </p:sp>
-      <mc:AlternateContent xmlns:mc="http://schemas.openxmlformats.org/markup-compatibility/2006">
-        <mc:Choice xmlns:a14="http://schemas.microsoft.com/office/drawing/2010/main" Requires="a14">
+      <mc:AlternateContent xmlns:mc="http://schemas.openxmlformats.org/markup-compatibility/2006" xmlns:a14="http://schemas.microsoft.com/office/drawing/2010/main">
+        <mc:Choice Requires="a14">
           <p:sp>
             <p:nvSpPr>
               <p:cNvPr id="33" name="Rectangle 32"/>
@@ -3616,7 +3623,7 @@
             </p:txBody>
           </p:sp>
         </mc:Choice>
-        <mc:Fallback>
+        <mc:Fallback xmlns="">
           <p:sp>
             <p:nvSpPr>
               <p:cNvPr id="33" name="Rectangle 32"/>
@@ -3660,8 +3667,8 @@
           </p:sp>
         </mc:Fallback>
       </mc:AlternateContent>
-      <mc:AlternateContent xmlns:mc="http://schemas.openxmlformats.org/markup-compatibility/2006">
-        <mc:Choice xmlns:a14="http://schemas.microsoft.com/office/drawing/2010/main" Requires="a14">
+      <mc:AlternateContent xmlns:mc="http://schemas.openxmlformats.org/markup-compatibility/2006" xmlns:a14="http://schemas.microsoft.com/office/drawing/2010/main">
+        <mc:Choice Requires="a14">
           <p:sp>
             <p:nvSpPr>
               <p:cNvPr id="34" name="Rectangle 33"/>
@@ -3740,7 +3747,7 @@
             </p:txBody>
           </p:sp>
         </mc:Choice>
-        <mc:Fallback>
+        <mc:Fallback xmlns="">
           <p:sp>
             <p:nvSpPr>
               <p:cNvPr id="34" name="Rectangle 33"/>
@@ -3912,8 +3919,8 @@
           <a:chExt cx="0" cy="0"/>
         </a:xfrm>
       </p:grpSpPr>
-      <mc:AlternateContent xmlns:mc="http://schemas.openxmlformats.org/markup-compatibility/2006">
-        <mc:Choice xmlns:a14="http://schemas.microsoft.com/office/drawing/2010/main" Requires="a14">
+      <mc:AlternateContent xmlns:mc="http://schemas.openxmlformats.org/markup-compatibility/2006" xmlns:a14="http://schemas.microsoft.com/office/drawing/2010/main">
+        <mc:Choice Requires="a14">
           <p:sp>
             <p:nvSpPr>
               <p:cNvPr id="4" name="Rounded Rectangle 3"/>
@@ -3994,7 +4001,7 @@
             </p:txBody>
           </p:sp>
         </mc:Choice>
-        <mc:Fallback>
+        <mc:Fallback xmlns="">
           <p:sp>
             <p:nvSpPr>
               <p:cNvPr id="4" name="Rounded Rectangle 3"/>
@@ -4222,8 +4229,8 @@
           </a:fontRef>
         </p:style>
       </p:cxnSp>
-      <mc:AlternateContent xmlns:mc="http://schemas.openxmlformats.org/markup-compatibility/2006">
-        <mc:Choice xmlns:a14="http://schemas.microsoft.com/office/drawing/2010/main" Requires="a14">
+      <mc:AlternateContent xmlns:mc="http://schemas.openxmlformats.org/markup-compatibility/2006" xmlns:a14="http://schemas.microsoft.com/office/drawing/2010/main">
+        <mc:Choice Requires="a14">
           <p:sp>
             <p:nvSpPr>
               <p:cNvPr id="22" name="Rounded Rectangle 21"/>
@@ -4375,7 +4382,7 @@
             </p:txBody>
           </p:sp>
         </mc:Choice>
-        <mc:Fallback>
+        <mc:Fallback xmlns="">
           <p:sp>
             <p:nvSpPr>
               <p:cNvPr id="22" name="Rounded Rectangle 21"/>
@@ -4530,8 +4537,8 @@
           </a:p>
         </p:txBody>
       </p:sp>
-      <mc:AlternateContent xmlns:mc="http://schemas.openxmlformats.org/markup-compatibility/2006">
-        <mc:Choice xmlns:a14="http://schemas.microsoft.com/office/drawing/2010/main" Requires="a14">
+      <mc:AlternateContent xmlns:mc="http://schemas.openxmlformats.org/markup-compatibility/2006" xmlns:a14="http://schemas.microsoft.com/office/drawing/2010/main">
+        <mc:Choice Requires="a14">
           <p:sp>
             <p:nvSpPr>
               <p:cNvPr id="33" name="Rectangle 32"/>
@@ -4610,7 +4617,7 @@
             </p:txBody>
           </p:sp>
         </mc:Choice>
-        <mc:Fallback>
+        <mc:Fallback xmlns="">
           <p:sp>
             <p:nvSpPr>
               <p:cNvPr id="33" name="Rectangle 32"/>
@@ -4654,8 +4661,8 @@
           </p:sp>
         </mc:Fallback>
       </mc:AlternateContent>
-      <mc:AlternateContent xmlns:mc="http://schemas.openxmlformats.org/markup-compatibility/2006">
-        <mc:Choice xmlns:a14="http://schemas.microsoft.com/office/drawing/2010/main" Requires="a14">
+      <mc:AlternateContent xmlns:mc="http://schemas.openxmlformats.org/markup-compatibility/2006" xmlns:a14="http://schemas.microsoft.com/office/drawing/2010/main">
+        <mc:Choice Requires="a14">
           <p:sp>
             <p:nvSpPr>
               <p:cNvPr id="34" name="Rectangle 33"/>
@@ -4734,7 +4741,7 @@
             </p:txBody>
           </p:sp>
         </mc:Choice>
-        <mc:Fallback>
+        <mc:Fallback xmlns="">
           <p:sp>
             <p:nvSpPr>
               <p:cNvPr id="34" name="Rectangle 33"/>
@@ -4880,6 +4887,3021 @@
     <p:extLst>
       <p:ext uri="{BB962C8B-B14F-4D97-AF65-F5344CB8AC3E}">
         <p14:creationId xmlns:p14="http://schemas.microsoft.com/office/powerpoint/2010/main" val="3342128268"/>
+      </p:ext>
+    </p:extLst>
+  </p:cSld>
+  <p:clrMapOvr>
+    <a:masterClrMapping/>
+  </p:clrMapOvr>
+</p:sld>
+</file>
+
+<file path=ppt/slides/slide3.xml><?xml version="1.0" encoding="utf-8"?>
+<p:sld xmlns:a="http://schemas.openxmlformats.org/drawingml/2006/main" xmlns:r="http://schemas.openxmlformats.org/officeDocument/2006/relationships" xmlns:p="http://schemas.openxmlformats.org/presentationml/2006/main">
+  <p:cSld>
+    <p:spTree>
+      <p:nvGrpSpPr>
+        <p:cNvPr id="1" name=""/>
+        <p:cNvGrpSpPr/>
+        <p:nvPr/>
+      </p:nvGrpSpPr>
+      <p:grpSpPr>
+        <a:xfrm>
+          <a:off x="0" y="0"/>
+          <a:ext cx="0" cy="0"/>
+          <a:chOff x="0" y="0"/>
+          <a:chExt cx="0" cy="0"/>
+        </a:xfrm>
+      </p:grpSpPr>
+      <mc:AlternateContent xmlns:mc="http://schemas.openxmlformats.org/markup-compatibility/2006">
+        <mc:Choice xmlns:a14="http://schemas.microsoft.com/office/drawing/2010/main" Requires="a14">
+          <p:sp>
+            <p:nvSpPr>
+              <p:cNvPr id="4" name="Rounded Rectangle 3"/>
+              <p:cNvSpPr/>
+              <p:nvPr/>
+            </p:nvSpPr>
+            <p:spPr>
+              <a:xfrm>
+                <a:off x="2892286" y="1689651"/>
+                <a:ext cx="1530626" cy="1152940"/>
+              </a:xfrm>
+              <a:prstGeom prst="roundRect">
+                <a:avLst/>
+              </a:prstGeom>
+              <a:ln w="19050">
+                <a:solidFill>
+                  <a:schemeClr val="tx1"/>
+                </a:solidFill>
+              </a:ln>
+            </p:spPr>
+            <p:style>
+              <a:lnRef idx="2">
+                <a:schemeClr val="accent6"/>
+              </a:lnRef>
+              <a:fillRef idx="1">
+                <a:schemeClr val="lt1"/>
+              </a:fillRef>
+              <a:effectRef idx="0">
+                <a:schemeClr val="accent6"/>
+              </a:effectRef>
+              <a:fontRef idx="minor">
+                <a:schemeClr val="dk1"/>
+              </a:fontRef>
+            </p:style>
+            <p:txBody>
+              <a:bodyPr rtlCol="0" anchor="ctr"/>
+              <a:lstStyle/>
+              <a:p>
+                <a:pPr algn="ctr"/>
+                <a:r>
+                  <a:rPr lang="en-US" dirty="0" smtClean="0">
+                    <a:latin typeface="Times New Roman" panose="02020603050405020304" pitchFamily="18" charset="0"/>
+                    <a:cs typeface="Times New Roman" panose="02020603050405020304" pitchFamily="18" charset="0"/>
+                  </a:rPr>
+                  <a:t>Comp A: Contract: </a:t>
+                </a:r>
+                <a14:m>
+                  <m:oMath xmlns:m="http://schemas.openxmlformats.org/officeDocument/2006/math">
+                    <m:sSub>
+                      <m:sSubPr>
+                        <m:ctrlPr>
+                          <a:rPr lang="en-US" b="0" i="1" smtClean="0">
+                            <a:latin typeface="Cambria Math" panose="02040503050406030204" pitchFamily="18" charset="0"/>
+                          </a:rPr>
+                        </m:ctrlPr>
+                      </m:sSubPr>
+                      <m:e>
+                        <m:r>
+                          <a:rPr lang="en-US" b="0" i="1" smtClean="0">
+                            <a:latin typeface="Cambria Math" panose="02040503050406030204" pitchFamily="18" charset="0"/>
+                          </a:rPr>
+                          <m:t>𝑔</m:t>
+                        </m:r>
+                      </m:e>
+                      <m:sub>
+                        <m:r>
+                          <a:rPr lang="en-US" b="0" i="1" smtClean="0">
+                            <a:latin typeface="Cambria Math" panose="02040503050406030204" pitchFamily="18" charset="0"/>
+                          </a:rPr>
+                          <m:t>1</m:t>
+                        </m:r>
+                      </m:sub>
+                    </m:sSub>
+                  </m:oMath>
+                </a14:m>
+                <a:endParaRPr lang="en-US" dirty="0"/>
+              </a:p>
+            </p:txBody>
+          </p:sp>
+        </mc:Choice>
+        <mc:Fallback>
+          <p:sp>
+            <p:nvSpPr>
+              <p:cNvPr id="4" name="Rounded Rectangle 3"/>
+              <p:cNvSpPr>
+                <a:spLocks noRot="1" noChangeAspect="1" noMove="1" noResize="1" noEditPoints="1" noAdjustHandles="1" noChangeArrowheads="1" noChangeShapeType="1" noTextEdit="1"/>
+              </p:cNvSpPr>
+              <p:nvPr/>
+            </p:nvSpPr>
+            <p:spPr>
+              <a:xfrm>
+                <a:off x="2892286" y="1689651"/>
+                <a:ext cx="1530626" cy="1152940"/>
+              </a:xfrm>
+              <a:prstGeom prst="roundRect">
+                <a:avLst/>
+              </a:prstGeom>
+              <a:blipFill>
+                <a:blip r:embed="rId2"/>
+                <a:stretch>
+                  <a:fillRect/>
+                </a:stretch>
+              </a:blipFill>
+              <a:ln w="19050">
+                <a:solidFill>
+                  <a:schemeClr val="tx1"/>
+                </a:solidFill>
+              </a:ln>
+            </p:spPr>
+            <p:txBody>
+              <a:bodyPr/>
+              <a:lstStyle/>
+              <a:p>
+                <a:r>
+                  <a:rPr lang="en-US">
+                    <a:noFill/>
+                  </a:rPr>
+                  <a:t> </a:t>
+                </a:r>
+              </a:p>
+            </p:txBody>
+          </p:sp>
+        </mc:Fallback>
+      </mc:AlternateContent>
+      <p:cxnSp>
+        <p:nvCxnSpPr>
+          <p:cNvPr id="6" name="Straight Arrow Connector 5"/>
+          <p:cNvCxnSpPr>
+            <a:stCxn id="4" idx="0"/>
+          </p:cNvCxnSpPr>
+          <p:nvPr/>
+        </p:nvCxnSpPr>
+        <p:spPr>
+          <a:xfrm flipV="1">
+            <a:off x="3657599" y="904461"/>
+            <a:ext cx="0" cy="785190"/>
+          </a:xfrm>
+          <a:prstGeom prst="straightConnector1">
+            <a:avLst/>
+          </a:prstGeom>
+          <a:ln w="19050">
+            <a:solidFill>
+              <a:schemeClr val="tx1"/>
+            </a:solidFill>
+            <a:tailEnd type="triangle"/>
+          </a:ln>
+        </p:spPr>
+        <p:style>
+          <a:lnRef idx="1">
+            <a:schemeClr val="accent1"/>
+          </a:lnRef>
+          <a:fillRef idx="0">
+            <a:schemeClr val="accent1"/>
+          </a:fillRef>
+          <a:effectRef idx="0">
+            <a:schemeClr val="accent1"/>
+          </a:effectRef>
+          <a:fontRef idx="minor">
+            <a:schemeClr val="tx1"/>
+          </a:fontRef>
+        </p:style>
+      </p:cxnSp>
+      <p:sp>
+        <p:nvSpPr>
+          <p:cNvPr id="10" name="TextBox 9"/>
+          <p:cNvSpPr txBox="1"/>
+          <p:nvPr/>
+        </p:nvSpPr>
+        <p:spPr>
+          <a:xfrm>
+            <a:off x="5759723" y="3780422"/>
+            <a:ext cx="439544" cy="523220"/>
+          </a:xfrm>
+          <a:prstGeom prst="rect">
+            <a:avLst/>
+          </a:prstGeom>
+          <a:noFill/>
+        </p:spPr>
+        <p:txBody>
+          <a:bodyPr wrap="none" rtlCol="0">
+            <a:spAutoFit/>
+          </a:bodyPr>
+          <a:lstStyle/>
+          <a:p>
+            <a:r>
+              <a:rPr lang="en-US" sz="2800" b="1" dirty="0" smtClean="0"/>
+              <a:t>…</a:t>
+            </a:r>
+            <a:endParaRPr lang="en-US" sz="2800" b="1" dirty="0"/>
+          </a:p>
+        </p:txBody>
+      </p:sp>
+      <p:cxnSp>
+        <p:nvCxnSpPr>
+          <p:cNvPr id="11" name="Straight Arrow Connector 10"/>
+          <p:cNvCxnSpPr>
+            <a:stCxn id="4" idx="2"/>
+          </p:cNvCxnSpPr>
+          <p:nvPr/>
+        </p:nvCxnSpPr>
+        <p:spPr>
+          <a:xfrm>
+            <a:off x="3657599" y="2842591"/>
+            <a:ext cx="2236304" cy="1043609"/>
+          </a:xfrm>
+          <a:prstGeom prst="straightConnector1">
+            <a:avLst/>
+          </a:prstGeom>
+          <a:ln w="19050">
+            <a:solidFill>
+              <a:schemeClr val="tx1"/>
+            </a:solidFill>
+            <a:tailEnd type="triangle"/>
+          </a:ln>
+        </p:spPr>
+        <p:style>
+          <a:lnRef idx="1">
+            <a:schemeClr val="accent1"/>
+          </a:lnRef>
+          <a:fillRef idx="0">
+            <a:schemeClr val="accent1"/>
+          </a:fillRef>
+          <a:effectRef idx="0">
+            <a:schemeClr val="accent1"/>
+          </a:effectRef>
+          <a:fontRef idx="minor">
+            <a:schemeClr val="tx1"/>
+          </a:fontRef>
+        </p:style>
+      </p:cxnSp>
+      <p:cxnSp>
+        <p:nvCxnSpPr>
+          <p:cNvPr id="12" name="Straight Arrow Connector 11"/>
+          <p:cNvCxnSpPr>
+            <a:stCxn id="4" idx="2"/>
+            <a:endCxn id="23" idx="0"/>
+          </p:cNvCxnSpPr>
+          <p:nvPr/>
+        </p:nvCxnSpPr>
+        <p:spPr>
+          <a:xfrm>
+            <a:off x="3657599" y="2842591"/>
+            <a:ext cx="33412" cy="1152940"/>
+          </a:xfrm>
+          <a:prstGeom prst="straightConnector1">
+            <a:avLst/>
+          </a:prstGeom>
+          <a:ln w="19050">
+            <a:solidFill>
+              <a:schemeClr val="tx1"/>
+            </a:solidFill>
+            <a:tailEnd type="triangle"/>
+          </a:ln>
+        </p:spPr>
+        <p:style>
+          <a:lnRef idx="1">
+            <a:schemeClr val="accent1"/>
+          </a:lnRef>
+          <a:fillRef idx="0">
+            <a:schemeClr val="accent1"/>
+          </a:fillRef>
+          <a:effectRef idx="0">
+            <a:schemeClr val="accent1"/>
+          </a:effectRef>
+          <a:fontRef idx="minor">
+            <a:schemeClr val="tx1"/>
+          </a:fontRef>
+        </p:style>
+      </p:cxnSp>
+      <p:cxnSp>
+        <p:nvCxnSpPr>
+          <p:cNvPr id="13" name="Straight Arrow Connector 12"/>
+          <p:cNvCxnSpPr>
+            <a:stCxn id="4" idx="2"/>
+            <a:endCxn id="22" idx="0"/>
+          </p:cNvCxnSpPr>
+          <p:nvPr/>
+        </p:nvCxnSpPr>
+        <p:spPr>
+          <a:xfrm flipH="1">
+            <a:off x="1421295" y="2842591"/>
+            <a:ext cx="2236304" cy="1043609"/>
+          </a:xfrm>
+          <a:prstGeom prst="straightConnector1">
+            <a:avLst/>
+          </a:prstGeom>
+          <a:ln w="19050">
+            <a:solidFill>
+              <a:schemeClr val="tx1"/>
+            </a:solidFill>
+            <a:tailEnd type="triangle"/>
+          </a:ln>
+        </p:spPr>
+        <p:style>
+          <a:lnRef idx="1">
+            <a:schemeClr val="accent1"/>
+          </a:lnRef>
+          <a:fillRef idx="0">
+            <a:schemeClr val="accent1"/>
+          </a:fillRef>
+          <a:effectRef idx="0">
+            <a:schemeClr val="accent1"/>
+          </a:effectRef>
+          <a:fontRef idx="minor">
+            <a:schemeClr val="tx1"/>
+          </a:fontRef>
+        </p:style>
+      </p:cxnSp>
+      <mc:AlternateContent xmlns:mc="http://schemas.openxmlformats.org/markup-compatibility/2006">
+        <mc:Choice xmlns:a14="http://schemas.microsoft.com/office/drawing/2010/main" Requires="a14">
+          <p:sp>
+            <p:nvSpPr>
+              <p:cNvPr id="22" name="Rounded Rectangle 21"/>
+              <p:cNvSpPr/>
+              <p:nvPr/>
+            </p:nvSpPr>
+            <p:spPr>
+              <a:xfrm>
+                <a:off x="655982" y="3886199"/>
+                <a:ext cx="1530626" cy="1381539"/>
+              </a:xfrm>
+              <a:prstGeom prst="roundRect">
+                <a:avLst/>
+              </a:prstGeom>
+              <a:ln w="19050">
+                <a:solidFill>
+                  <a:schemeClr val="tx1"/>
+                </a:solidFill>
+              </a:ln>
+            </p:spPr>
+            <p:style>
+              <a:lnRef idx="2">
+                <a:schemeClr val="accent6"/>
+              </a:lnRef>
+              <a:fillRef idx="1">
+                <a:schemeClr val="lt1"/>
+              </a:fillRef>
+              <a:effectRef idx="0">
+                <a:schemeClr val="accent6"/>
+              </a:effectRef>
+              <a:fontRef idx="minor">
+                <a:schemeClr val="dk1"/>
+              </a:fontRef>
+            </p:style>
+            <p:txBody>
+              <a:bodyPr rtlCol="0" anchor="ctr"/>
+              <a:lstStyle/>
+              <a:p>
+                <a:pPr algn="ctr"/>
+                <a:r>
+                  <a:rPr lang="en-US" dirty="0" smtClean="0">
+                    <a:latin typeface="Times New Roman" panose="02020603050405020304" pitchFamily="18" charset="0"/>
+                    <a:cs typeface="Times New Roman" panose="02020603050405020304" pitchFamily="18" charset="0"/>
+                  </a:rPr>
+                  <a:t>Comp B: Contracts: </a:t>
+                </a:r>
+                <a14:m>
+                  <m:oMath xmlns:m="http://schemas.openxmlformats.org/officeDocument/2006/math">
+                    <m:sSub>
+                      <m:sSubPr>
+                        <m:ctrlPr>
+                          <a:rPr lang="en-US" b="0" i="1" smtClean="0">
+                            <a:latin typeface="Cambria Math" panose="02040503050406030204" pitchFamily="18" charset="0"/>
+                          </a:rPr>
+                        </m:ctrlPr>
+                      </m:sSubPr>
+                      <m:e>
+                        <m:r>
+                          <a:rPr lang="en-US" b="0" i="1" smtClean="0">
+                            <a:latin typeface="Cambria Math" panose="02040503050406030204" pitchFamily="18" charset="0"/>
+                          </a:rPr>
+                          <m:t>𝑔</m:t>
+                        </m:r>
+                      </m:e>
+                      <m:sub>
+                        <m:r>
+                          <a:rPr lang="en-US" b="0" i="1" smtClean="0">
+                            <a:latin typeface="Cambria Math" panose="02040503050406030204" pitchFamily="18" charset="0"/>
+                          </a:rPr>
+                          <m:t>2</m:t>
+                        </m:r>
+                      </m:sub>
+                    </m:sSub>
+                  </m:oMath>
+                </a14:m>
+                <a:endParaRPr lang="en-US" b="0" dirty="0" smtClean="0">
+                  <a:latin typeface="Times New Roman" panose="02020603050405020304" pitchFamily="18" charset="0"/>
+                </a:endParaRPr>
+              </a:p>
+              <a:p>
+                <a:pPr algn="ctr"/>
+                <a14:m>
+                  <m:oMathPara xmlns:m="http://schemas.openxmlformats.org/officeDocument/2006/math">
+                    <m:oMathParaPr>
+                      <m:jc m:val="centerGroup"/>
+                    </m:oMathParaPr>
+                    <m:oMath xmlns:m="http://schemas.openxmlformats.org/officeDocument/2006/math">
+                      <m:sSub>
+                        <m:sSubPr>
+                          <m:ctrlPr>
+                            <a:rPr lang="en-US" b="0" i="1" smtClean="0">
+                              <a:latin typeface="Cambria Math" panose="02040503050406030204" pitchFamily="18" charset="0"/>
+                            </a:rPr>
+                          </m:ctrlPr>
+                        </m:sSubPr>
+                        <m:e>
+                          <m:r>
+                            <a:rPr lang="en-US" b="0" i="1" smtClean="0">
+                              <a:latin typeface="Cambria Math" panose="02040503050406030204" pitchFamily="18" charset="0"/>
+                            </a:rPr>
+                            <m:t>𝑔</m:t>
+                          </m:r>
+                        </m:e>
+                        <m:sub>
+                          <m:r>
+                            <a:rPr lang="en-US" b="0" i="1" smtClean="0">
+                              <a:latin typeface="Cambria Math" panose="02040503050406030204" pitchFamily="18" charset="0"/>
+                            </a:rPr>
+                            <m:t>3</m:t>
+                          </m:r>
+                        </m:sub>
+                      </m:sSub>
+                    </m:oMath>
+                  </m:oMathPara>
+                </a14:m>
+                <a:endParaRPr lang="en-US" dirty="0"/>
+              </a:p>
+            </p:txBody>
+          </p:sp>
+        </mc:Choice>
+        <mc:Fallback>
+          <p:sp>
+            <p:nvSpPr>
+              <p:cNvPr id="22" name="Rounded Rectangle 21"/>
+              <p:cNvSpPr>
+                <a:spLocks noRot="1" noChangeAspect="1" noMove="1" noResize="1" noEditPoints="1" noAdjustHandles="1" noChangeArrowheads="1" noChangeShapeType="1" noTextEdit="1"/>
+              </p:cNvSpPr>
+              <p:nvPr/>
+            </p:nvSpPr>
+            <p:spPr>
+              <a:xfrm>
+                <a:off x="655982" y="3886199"/>
+                <a:ext cx="1530626" cy="1381539"/>
+              </a:xfrm>
+              <a:prstGeom prst="roundRect">
+                <a:avLst/>
+              </a:prstGeom>
+              <a:blipFill>
+                <a:blip r:embed="rId3"/>
+                <a:stretch>
+                  <a:fillRect/>
+                </a:stretch>
+              </a:blipFill>
+              <a:ln w="19050">
+                <a:solidFill>
+                  <a:schemeClr val="tx1"/>
+                </a:solidFill>
+              </a:ln>
+            </p:spPr>
+            <p:txBody>
+              <a:bodyPr/>
+              <a:lstStyle/>
+              <a:p>
+                <a:r>
+                  <a:rPr lang="en-US">
+                    <a:noFill/>
+                  </a:rPr>
+                  <a:t> </a:t>
+                </a:r>
+              </a:p>
+            </p:txBody>
+          </p:sp>
+        </mc:Fallback>
+      </mc:AlternateContent>
+      <p:sp>
+        <p:nvSpPr>
+          <p:cNvPr id="23" name="Rounded Rectangle 22"/>
+          <p:cNvSpPr/>
+          <p:nvPr/>
+        </p:nvSpPr>
+        <p:spPr>
+          <a:xfrm>
+            <a:off x="2925698" y="3995531"/>
+            <a:ext cx="1530626" cy="1152940"/>
+          </a:xfrm>
+          <a:prstGeom prst="roundRect">
+            <a:avLst/>
+          </a:prstGeom>
+          <a:ln w="19050">
+            <a:solidFill>
+              <a:schemeClr val="tx1"/>
+            </a:solidFill>
+          </a:ln>
+        </p:spPr>
+        <p:style>
+          <a:lnRef idx="2">
+            <a:schemeClr val="accent6"/>
+          </a:lnRef>
+          <a:fillRef idx="1">
+            <a:schemeClr val="lt1"/>
+          </a:fillRef>
+          <a:effectRef idx="0">
+            <a:schemeClr val="accent6"/>
+          </a:effectRef>
+          <a:fontRef idx="minor">
+            <a:schemeClr val="dk1"/>
+          </a:fontRef>
+        </p:style>
+        <p:txBody>
+          <a:bodyPr rtlCol="0" anchor="ctr"/>
+          <a:lstStyle/>
+          <a:p>
+            <a:pPr algn="ctr"/>
+            <a:endParaRPr lang="en-US"/>
+          </a:p>
+        </p:txBody>
+      </p:sp>
+      <p:cxnSp>
+        <p:nvCxnSpPr>
+          <p:cNvPr id="26" name="Straight Arrow Connector 25"/>
+          <p:cNvCxnSpPr>
+            <a:stCxn id="23" idx="2"/>
+          </p:cNvCxnSpPr>
+          <p:nvPr/>
+        </p:nvCxnSpPr>
+        <p:spPr>
+          <a:xfrm>
+            <a:off x="3691011" y="5148471"/>
+            <a:ext cx="0" cy="546651"/>
+          </a:xfrm>
+          <a:prstGeom prst="straightConnector1">
+            <a:avLst/>
+          </a:prstGeom>
+          <a:ln w="19050">
+            <a:solidFill>
+              <a:schemeClr val="tx1"/>
+            </a:solidFill>
+            <a:tailEnd type="triangle"/>
+          </a:ln>
+        </p:spPr>
+        <p:style>
+          <a:lnRef idx="1">
+            <a:schemeClr val="accent1"/>
+          </a:lnRef>
+          <a:fillRef idx="0">
+            <a:schemeClr val="accent1"/>
+          </a:fillRef>
+          <a:effectRef idx="0">
+            <a:schemeClr val="accent1"/>
+          </a:effectRef>
+          <a:fontRef idx="minor">
+            <a:schemeClr val="tx1"/>
+          </a:fontRef>
+        </p:style>
+      </p:cxnSp>
+      <p:sp>
+        <p:nvSpPr>
+          <p:cNvPr id="29" name="TextBox 28"/>
+          <p:cNvSpPr txBox="1"/>
+          <p:nvPr/>
+        </p:nvSpPr>
+        <p:spPr>
+          <a:xfrm>
+            <a:off x="3471239" y="5503204"/>
+            <a:ext cx="439544" cy="523220"/>
+          </a:xfrm>
+          <a:prstGeom prst="rect">
+            <a:avLst/>
+          </a:prstGeom>
+          <a:noFill/>
+        </p:spPr>
+        <p:txBody>
+          <a:bodyPr wrap="none" rtlCol="0">
+            <a:spAutoFit/>
+          </a:bodyPr>
+          <a:lstStyle/>
+          <a:p>
+            <a:r>
+              <a:rPr lang="en-US" sz="2800" b="1" dirty="0" smtClean="0"/>
+              <a:t>…</a:t>
+            </a:r>
+            <a:endParaRPr lang="en-US" sz="2800" b="1" dirty="0"/>
+          </a:p>
+        </p:txBody>
+      </p:sp>
+      <mc:AlternateContent xmlns:mc="http://schemas.openxmlformats.org/markup-compatibility/2006">
+        <mc:Choice xmlns:a14="http://schemas.microsoft.com/office/drawing/2010/main" Requires="a14">
+          <p:sp>
+            <p:nvSpPr>
+              <p:cNvPr id="33" name="Rectangle 32"/>
+              <p:cNvSpPr/>
+              <p:nvPr/>
+            </p:nvSpPr>
+            <p:spPr>
+              <a:xfrm>
+                <a:off x="655982" y="5660332"/>
+                <a:ext cx="586409" cy="546652"/>
+              </a:xfrm>
+              <a:prstGeom prst="rect">
+                <a:avLst/>
+              </a:prstGeom>
+              <a:ln w="19050">
+                <a:solidFill>
+                  <a:schemeClr val="tx1"/>
+                </a:solidFill>
+              </a:ln>
+            </p:spPr>
+            <p:style>
+              <a:lnRef idx="2">
+                <a:schemeClr val="accent6"/>
+              </a:lnRef>
+              <a:fillRef idx="1">
+                <a:schemeClr val="lt1"/>
+              </a:fillRef>
+              <a:effectRef idx="0">
+                <a:schemeClr val="accent6"/>
+              </a:effectRef>
+              <a:fontRef idx="minor">
+                <a:schemeClr val="dk1"/>
+              </a:fontRef>
+            </p:style>
+            <p:txBody>
+              <a:bodyPr rtlCol="0" anchor="ctr"/>
+              <a:lstStyle/>
+              <a:p>
+                <a:pPr algn="ctr"/>
+                <a14:m>
+                  <m:oMathPara xmlns:m="http://schemas.openxmlformats.org/officeDocument/2006/math">
+                    <m:oMathParaPr>
+                      <m:jc m:val="centerGroup"/>
+                    </m:oMathParaPr>
+                    <m:oMath xmlns:m="http://schemas.openxmlformats.org/officeDocument/2006/math">
+                      <m:sSub>
+                        <m:sSubPr>
+                          <m:ctrlPr>
+                            <a:rPr lang="en-US" i="1" smtClean="0">
+                              <a:latin typeface="Cambria Math" panose="02040503050406030204" pitchFamily="18" charset="0"/>
+                            </a:rPr>
+                          </m:ctrlPr>
+                        </m:sSubPr>
+                        <m:e>
+                          <m:r>
+                            <a:rPr lang="en-US" b="0" i="1" smtClean="0">
+                              <a:latin typeface="Cambria Math" panose="02040503050406030204" pitchFamily="18" charset="0"/>
+                            </a:rPr>
+                            <m:t>𝑓</m:t>
+                          </m:r>
+                        </m:e>
+                        <m:sub>
+                          <m:r>
+                            <a:rPr lang="en-US" b="0" i="1" smtClean="0">
+                              <a:latin typeface="Cambria Math" panose="02040503050406030204" pitchFamily="18" charset="0"/>
+                            </a:rPr>
+                            <m:t>1</m:t>
+                          </m:r>
+                        </m:sub>
+                      </m:sSub>
+                    </m:oMath>
+                  </m:oMathPara>
+                </a14:m>
+                <a:endParaRPr lang="en-US" dirty="0"/>
+              </a:p>
+            </p:txBody>
+          </p:sp>
+        </mc:Choice>
+        <mc:Fallback>
+          <p:sp>
+            <p:nvSpPr>
+              <p:cNvPr id="33" name="Rectangle 32"/>
+              <p:cNvSpPr>
+                <a:spLocks noRot="1" noChangeAspect="1" noMove="1" noResize="1" noEditPoints="1" noAdjustHandles="1" noChangeArrowheads="1" noChangeShapeType="1" noTextEdit="1"/>
+              </p:cNvSpPr>
+              <p:nvPr/>
+            </p:nvSpPr>
+            <p:spPr>
+              <a:xfrm>
+                <a:off x="655982" y="5660332"/>
+                <a:ext cx="586409" cy="546652"/>
+              </a:xfrm>
+              <a:prstGeom prst="rect">
+                <a:avLst/>
+              </a:prstGeom>
+              <a:blipFill>
+                <a:blip r:embed="rId4"/>
+                <a:stretch>
+                  <a:fillRect/>
+                </a:stretch>
+              </a:blipFill>
+              <a:ln w="19050">
+                <a:solidFill>
+                  <a:schemeClr val="tx1"/>
+                </a:solidFill>
+              </a:ln>
+            </p:spPr>
+            <p:txBody>
+              <a:bodyPr/>
+              <a:lstStyle/>
+              <a:p>
+                <a:r>
+                  <a:rPr lang="en-US">
+                    <a:noFill/>
+                  </a:rPr>
+                  <a:t> </a:t>
+                </a:r>
+              </a:p>
+            </p:txBody>
+          </p:sp>
+        </mc:Fallback>
+      </mc:AlternateContent>
+      <mc:AlternateContent xmlns:mc="http://schemas.openxmlformats.org/markup-compatibility/2006">
+        <mc:Choice xmlns:a14="http://schemas.microsoft.com/office/drawing/2010/main" Requires="a14">
+          <p:sp>
+            <p:nvSpPr>
+              <p:cNvPr id="34" name="Rectangle 33"/>
+              <p:cNvSpPr/>
+              <p:nvPr/>
+            </p:nvSpPr>
+            <p:spPr>
+              <a:xfrm>
+                <a:off x="1660520" y="5660332"/>
+                <a:ext cx="586409" cy="546652"/>
+              </a:xfrm>
+              <a:prstGeom prst="rect">
+                <a:avLst/>
+              </a:prstGeom>
+              <a:ln w="19050">
+                <a:solidFill>
+                  <a:schemeClr val="tx1"/>
+                </a:solidFill>
+              </a:ln>
+            </p:spPr>
+            <p:style>
+              <a:lnRef idx="2">
+                <a:schemeClr val="accent6"/>
+              </a:lnRef>
+              <a:fillRef idx="1">
+                <a:schemeClr val="lt1"/>
+              </a:fillRef>
+              <a:effectRef idx="0">
+                <a:schemeClr val="accent6"/>
+              </a:effectRef>
+              <a:fontRef idx="minor">
+                <a:schemeClr val="dk1"/>
+              </a:fontRef>
+            </p:style>
+            <p:txBody>
+              <a:bodyPr rtlCol="0" anchor="ctr"/>
+              <a:lstStyle/>
+              <a:p>
+                <a:pPr algn="ctr"/>
+                <a14:m>
+                  <m:oMathPara xmlns:m="http://schemas.openxmlformats.org/officeDocument/2006/math">
+                    <m:oMathParaPr>
+                      <m:jc m:val="centerGroup"/>
+                    </m:oMathParaPr>
+                    <m:oMath xmlns:m="http://schemas.openxmlformats.org/officeDocument/2006/math">
+                      <m:sSub>
+                        <m:sSubPr>
+                          <m:ctrlPr>
+                            <a:rPr lang="en-US" i="1" smtClean="0">
+                              <a:latin typeface="Cambria Math" panose="02040503050406030204" pitchFamily="18" charset="0"/>
+                            </a:rPr>
+                          </m:ctrlPr>
+                        </m:sSubPr>
+                        <m:e>
+                          <m:r>
+                            <a:rPr lang="en-US" b="0" i="1" smtClean="0">
+                              <a:latin typeface="Cambria Math" panose="02040503050406030204" pitchFamily="18" charset="0"/>
+                            </a:rPr>
+                            <m:t>𝑓</m:t>
+                          </m:r>
+                        </m:e>
+                        <m:sub>
+                          <m:r>
+                            <a:rPr lang="en-US" b="0" i="1" smtClean="0">
+                              <a:latin typeface="Cambria Math" panose="02040503050406030204" pitchFamily="18" charset="0"/>
+                            </a:rPr>
+                            <m:t>2</m:t>
+                          </m:r>
+                        </m:sub>
+                      </m:sSub>
+                    </m:oMath>
+                  </m:oMathPara>
+                </a14:m>
+                <a:endParaRPr lang="en-US" dirty="0"/>
+              </a:p>
+            </p:txBody>
+          </p:sp>
+        </mc:Choice>
+        <mc:Fallback>
+          <p:sp>
+            <p:nvSpPr>
+              <p:cNvPr id="34" name="Rectangle 33"/>
+              <p:cNvSpPr>
+                <a:spLocks noRot="1" noChangeAspect="1" noMove="1" noResize="1" noEditPoints="1" noAdjustHandles="1" noChangeArrowheads="1" noChangeShapeType="1" noTextEdit="1"/>
+              </p:cNvSpPr>
+              <p:nvPr/>
+            </p:nvSpPr>
+            <p:spPr>
+              <a:xfrm>
+                <a:off x="1660520" y="5660332"/>
+                <a:ext cx="586409" cy="546652"/>
+              </a:xfrm>
+              <a:prstGeom prst="rect">
+                <a:avLst/>
+              </a:prstGeom>
+              <a:blipFill>
+                <a:blip r:embed="rId5"/>
+                <a:stretch>
+                  <a:fillRect/>
+                </a:stretch>
+              </a:blipFill>
+              <a:ln w="19050">
+                <a:solidFill>
+                  <a:schemeClr val="tx1"/>
+                </a:solidFill>
+              </a:ln>
+            </p:spPr>
+            <p:txBody>
+              <a:bodyPr/>
+              <a:lstStyle/>
+              <a:p>
+                <a:r>
+                  <a:rPr lang="en-US">
+                    <a:noFill/>
+                  </a:rPr>
+                  <a:t> </a:t>
+                </a:r>
+              </a:p>
+            </p:txBody>
+          </p:sp>
+        </mc:Fallback>
+      </mc:AlternateContent>
+      <p:cxnSp>
+        <p:nvCxnSpPr>
+          <p:cNvPr id="36" name="Elbow Connector 35"/>
+          <p:cNvCxnSpPr>
+            <a:stCxn id="22" idx="2"/>
+            <a:endCxn id="33" idx="0"/>
+          </p:cNvCxnSpPr>
+          <p:nvPr/>
+        </p:nvCxnSpPr>
+        <p:spPr>
+          <a:xfrm rot="5400000">
+            <a:off x="988944" y="5227981"/>
+            <a:ext cx="392594" cy="472108"/>
+          </a:xfrm>
+          <a:prstGeom prst="bentConnector3">
+            <a:avLst/>
+          </a:prstGeom>
+        </p:spPr>
+        <p:style>
+          <a:lnRef idx="1">
+            <a:schemeClr val="dk1"/>
+          </a:lnRef>
+          <a:fillRef idx="0">
+            <a:schemeClr val="dk1"/>
+          </a:fillRef>
+          <a:effectRef idx="0">
+            <a:schemeClr val="dk1"/>
+          </a:effectRef>
+          <a:fontRef idx="minor">
+            <a:schemeClr val="tx1"/>
+          </a:fontRef>
+        </p:style>
+      </p:cxnSp>
+      <p:cxnSp>
+        <p:nvCxnSpPr>
+          <p:cNvPr id="38" name="Elbow Connector 37"/>
+          <p:cNvCxnSpPr>
+            <a:stCxn id="22" idx="2"/>
+            <a:endCxn id="34" idx="0"/>
+          </p:cNvCxnSpPr>
+          <p:nvPr/>
+        </p:nvCxnSpPr>
+        <p:spPr>
+          <a:xfrm rot="16200000" flipH="1">
+            <a:off x="1491213" y="5197820"/>
+            <a:ext cx="392594" cy="532430"/>
+          </a:xfrm>
+          <a:prstGeom prst="bentConnector3">
+            <a:avLst>
+              <a:gd name="adj1" fmla="val 50000"/>
+            </a:avLst>
+          </a:prstGeom>
+        </p:spPr>
+        <p:style>
+          <a:lnRef idx="1">
+            <a:schemeClr val="dk1"/>
+          </a:lnRef>
+          <a:fillRef idx="0">
+            <a:schemeClr val="dk1"/>
+          </a:fillRef>
+          <a:effectRef idx="0">
+            <a:schemeClr val="dk1"/>
+          </a:effectRef>
+          <a:fontRef idx="minor">
+            <a:schemeClr val="tx1"/>
+          </a:fontRef>
+        </p:style>
+      </p:cxnSp>
+      <p:sp>
+        <p:nvSpPr>
+          <p:cNvPr id="40" name="TextBox 39"/>
+          <p:cNvSpPr txBox="1"/>
+          <p:nvPr/>
+        </p:nvSpPr>
+        <p:spPr>
+          <a:xfrm>
+            <a:off x="3437827" y="462291"/>
+            <a:ext cx="439544" cy="523220"/>
+          </a:xfrm>
+          <a:prstGeom prst="rect">
+            <a:avLst/>
+          </a:prstGeom>
+          <a:noFill/>
+        </p:spPr>
+        <p:txBody>
+          <a:bodyPr wrap="none" rtlCol="0">
+            <a:spAutoFit/>
+          </a:bodyPr>
+          <a:lstStyle/>
+          <a:p>
+            <a:r>
+              <a:rPr lang="en-US" sz="2800" b="1" dirty="0" smtClean="0"/>
+              <a:t>…</a:t>
+            </a:r>
+            <a:endParaRPr lang="en-US" sz="2800" b="1" dirty="0"/>
+          </a:p>
+        </p:txBody>
+      </p:sp>
+      <mc:AlternateContent xmlns:mc="http://schemas.openxmlformats.org/markup-compatibility/2006">
+        <mc:Choice xmlns:a14="http://schemas.microsoft.com/office/drawing/2010/main" Requires="a14">
+          <p:sp>
+            <p:nvSpPr>
+              <p:cNvPr id="2" name="TextBox 1"/>
+              <p:cNvSpPr txBox="1"/>
+              <p:nvPr/>
+            </p:nvSpPr>
+            <p:spPr>
+              <a:xfrm>
+                <a:off x="6979664" y="904461"/>
+                <a:ext cx="3565720" cy="1200329"/>
+              </a:xfrm>
+              <a:prstGeom prst="rect">
+                <a:avLst/>
+              </a:prstGeom>
+              <a:noFill/>
+            </p:spPr>
+            <p:txBody>
+              <a:bodyPr wrap="none" rtlCol="0">
+                <a:spAutoFit/>
+              </a:bodyPr>
+              <a:lstStyle/>
+              <a:p>
+                <a:pPr algn="ctr"/>
+                <a:r>
+                  <a:rPr lang="en-US" sz="2400" i="1" dirty="0" smtClean="0"/>
+                  <a:t>Assume:</a:t>
+                </a:r>
+              </a:p>
+              <a:p>
+                <a14:m>
+                  <m:oMathPara xmlns:m="http://schemas.openxmlformats.org/officeDocument/2006/math">
+                    <m:oMathParaPr>
+                      <m:jc m:val="centerGroup"/>
+                    </m:oMathParaPr>
+                    <m:oMath xmlns:m="http://schemas.openxmlformats.org/officeDocument/2006/math">
+                      <m:sSub>
+                        <m:sSubPr>
+                          <m:ctrlPr>
+                            <a:rPr lang="en-US" sz="2400" i="1">
+                              <a:latin typeface="Cambria Math" panose="02040503050406030204" pitchFamily="18" charset="0"/>
+                            </a:rPr>
+                          </m:ctrlPr>
+                        </m:sSubPr>
+                        <m:e>
+                          <m:r>
+                            <a:rPr lang="en-US" sz="2400" b="0" i="1" smtClean="0">
+                              <a:latin typeface="Cambria Math" panose="02040503050406030204" pitchFamily="18" charset="0"/>
+                            </a:rPr>
+                            <m:t>𝑀𝑖𝑛𝐶𝑢𝑡𝑆𝑒𝑡</m:t>
+                          </m:r>
+                          <m:r>
+                            <a:rPr lang="en-US" sz="2400" b="0" i="1" smtClean="0">
+                              <a:latin typeface="Cambria Math" panose="02040503050406030204" pitchFamily="18" charset="0"/>
+                            </a:rPr>
+                            <m:t>(</m:t>
+                          </m:r>
+                          <m:r>
+                            <a:rPr lang="en-US" sz="2400" i="1">
+                              <a:latin typeface="Cambria Math" panose="02040503050406030204" pitchFamily="18" charset="0"/>
+                            </a:rPr>
+                            <m:t>𝑔</m:t>
+                          </m:r>
+                        </m:e>
+                        <m:sub>
+                          <m:r>
+                            <a:rPr lang="en-US" sz="2400" i="1">
+                              <a:latin typeface="Cambria Math" panose="02040503050406030204" pitchFamily="18" charset="0"/>
+                            </a:rPr>
+                            <m:t>2</m:t>
+                          </m:r>
+                        </m:sub>
+                      </m:sSub>
+                      <m:r>
+                        <a:rPr lang="en-US" sz="2400" b="0" i="1" smtClean="0">
+                          <a:latin typeface="Cambria Math" panose="02040503050406030204" pitchFamily="18" charset="0"/>
+                        </a:rPr>
+                        <m:t>)=</m:t>
+                      </m:r>
+                      <m:sSub>
+                        <m:sSubPr>
+                          <m:ctrlPr>
+                            <a:rPr lang="en-US" sz="2400" i="1">
+                              <a:latin typeface="Cambria Math" panose="02040503050406030204" pitchFamily="18" charset="0"/>
+                            </a:rPr>
+                          </m:ctrlPr>
+                        </m:sSubPr>
+                        <m:e>
+                          <m:r>
+                            <a:rPr lang="en-US" sz="2400" b="0" i="1" smtClean="0">
+                              <a:latin typeface="Cambria Math" panose="02040503050406030204" pitchFamily="18" charset="0"/>
+                            </a:rPr>
+                            <m:t>{</m:t>
+                          </m:r>
+                          <m:r>
+                            <a:rPr lang="en-US" sz="2400" i="1">
+                              <a:latin typeface="Cambria Math" panose="02040503050406030204" pitchFamily="18" charset="0"/>
+                            </a:rPr>
+                            <m:t>𝑓</m:t>
+                          </m:r>
+                        </m:e>
+                        <m:sub>
+                          <m:r>
+                            <a:rPr lang="en-US" sz="2400" i="1">
+                              <a:latin typeface="Cambria Math" panose="02040503050406030204" pitchFamily="18" charset="0"/>
+                            </a:rPr>
+                            <m:t>1</m:t>
+                          </m:r>
+                        </m:sub>
+                      </m:sSub>
+                      <m:r>
+                        <a:rPr lang="en-US" sz="2400" b="0" i="1" smtClean="0">
+                          <a:latin typeface="Cambria Math" panose="02040503050406030204" pitchFamily="18" charset="0"/>
+                        </a:rPr>
+                        <m:t>}</m:t>
+                      </m:r>
+                    </m:oMath>
+                  </m:oMathPara>
+                </a14:m>
+                <a:endParaRPr lang="en-US" sz="2400" b="0" dirty="0" smtClean="0"/>
+              </a:p>
+              <a:p>
+                <a14:m>
+                  <m:oMathPara xmlns:m="http://schemas.openxmlformats.org/officeDocument/2006/math">
+                    <m:oMathParaPr>
+                      <m:jc m:val="centerGroup"/>
+                    </m:oMathParaPr>
+                    <m:oMath xmlns:m="http://schemas.openxmlformats.org/officeDocument/2006/math">
+                      <m:sSub>
+                        <m:sSubPr>
+                          <m:ctrlPr>
+                            <a:rPr lang="en-US" sz="2400" i="1">
+                              <a:latin typeface="Cambria Math" panose="02040503050406030204" pitchFamily="18" charset="0"/>
+                            </a:rPr>
+                          </m:ctrlPr>
+                        </m:sSubPr>
+                        <m:e>
+                          <m:r>
+                            <a:rPr lang="en-US" sz="2400" i="1">
+                              <a:latin typeface="Cambria Math" panose="02040503050406030204" pitchFamily="18" charset="0"/>
+                            </a:rPr>
+                            <m:t>𝑀𝑖𝑛𝐶𝑢𝑡𝑆𝑒𝑡</m:t>
+                          </m:r>
+                          <m:r>
+                            <a:rPr lang="en-US" sz="2400" i="1">
+                              <a:latin typeface="Cambria Math" panose="02040503050406030204" pitchFamily="18" charset="0"/>
+                            </a:rPr>
+                            <m:t>(</m:t>
+                          </m:r>
+                          <m:r>
+                            <a:rPr lang="en-US" sz="2400" i="1">
+                              <a:latin typeface="Cambria Math" panose="02040503050406030204" pitchFamily="18" charset="0"/>
+                            </a:rPr>
+                            <m:t>𝑔</m:t>
+                          </m:r>
+                        </m:e>
+                        <m:sub>
+                          <m:r>
+                            <a:rPr lang="en-US" sz="2400" b="0" i="1" smtClean="0">
+                              <a:latin typeface="Cambria Math" panose="02040503050406030204" pitchFamily="18" charset="0"/>
+                            </a:rPr>
+                            <m:t>3</m:t>
+                          </m:r>
+                        </m:sub>
+                      </m:sSub>
+                      <m:r>
+                        <a:rPr lang="en-US" sz="2400" i="1">
+                          <a:latin typeface="Cambria Math" panose="02040503050406030204" pitchFamily="18" charset="0"/>
+                        </a:rPr>
+                        <m:t>)=</m:t>
+                      </m:r>
+                      <m:sSub>
+                        <m:sSubPr>
+                          <m:ctrlPr>
+                            <a:rPr lang="en-US" sz="2400" i="1">
+                              <a:latin typeface="Cambria Math" panose="02040503050406030204" pitchFamily="18" charset="0"/>
+                            </a:rPr>
+                          </m:ctrlPr>
+                        </m:sSubPr>
+                        <m:e>
+                          <m:r>
+                            <a:rPr lang="en-US" sz="2400" b="0" i="1" smtClean="0">
+                              <a:latin typeface="Cambria Math" panose="02040503050406030204" pitchFamily="18" charset="0"/>
+                            </a:rPr>
+                            <m:t>{</m:t>
+                          </m:r>
+                          <m:r>
+                            <a:rPr lang="en-US" sz="2400" i="1">
+                              <a:latin typeface="Cambria Math" panose="02040503050406030204" pitchFamily="18" charset="0"/>
+                            </a:rPr>
+                            <m:t>𝑓</m:t>
+                          </m:r>
+                        </m:e>
+                        <m:sub>
+                          <m:r>
+                            <a:rPr lang="en-US" sz="2400" i="1">
+                              <a:latin typeface="Cambria Math" panose="02040503050406030204" pitchFamily="18" charset="0"/>
+                            </a:rPr>
+                            <m:t>1</m:t>
+                          </m:r>
+                        </m:sub>
+                      </m:sSub>
+                      <m:r>
+                        <a:rPr lang="en-US" sz="2400" b="0" i="1" smtClean="0">
+                          <a:latin typeface="Cambria Math" panose="02040503050406030204" pitchFamily="18" charset="0"/>
+                        </a:rPr>
+                        <m:t>,</m:t>
+                      </m:r>
+                      <m:sSub>
+                        <m:sSubPr>
+                          <m:ctrlPr>
+                            <a:rPr lang="en-US" sz="2400" i="1">
+                              <a:latin typeface="Cambria Math" panose="02040503050406030204" pitchFamily="18" charset="0"/>
+                            </a:rPr>
+                          </m:ctrlPr>
+                        </m:sSubPr>
+                        <m:e>
+                          <m:r>
+                            <a:rPr lang="en-US" sz="2400" i="1">
+                              <a:latin typeface="Cambria Math" panose="02040503050406030204" pitchFamily="18" charset="0"/>
+                            </a:rPr>
+                            <m:t>𝑓</m:t>
+                          </m:r>
+                        </m:e>
+                        <m:sub>
+                          <m:r>
+                            <a:rPr lang="en-US" sz="2400" i="1">
+                              <a:latin typeface="Cambria Math" panose="02040503050406030204" pitchFamily="18" charset="0"/>
+                            </a:rPr>
+                            <m:t>2</m:t>
+                          </m:r>
+                        </m:sub>
+                      </m:sSub>
+                      <m:r>
+                        <a:rPr lang="en-US" sz="2400" b="0" i="0" smtClean="0">
+                          <a:latin typeface="Cambria Math" panose="02040503050406030204" pitchFamily="18" charset="0"/>
+                        </a:rPr>
+                        <m:t>}</m:t>
+                      </m:r>
+                    </m:oMath>
+                  </m:oMathPara>
+                </a14:m>
+                <a:endParaRPr lang="en-US" sz="2400" dirty="0"/>
+              </a:p>
+            </p:txBody>
+          </p:sp>
+        </mc:Choice>
+        <mc:Fallback>
+          <p:sp>
+            <p:nvSpPr>
+              <p:cNvPr id="2" name="TextBox 1"/>
+              <p:cNvSpPr txBox="1">
+                <a:spLocks noRot="1" noChangeAspect="1" noMove="1" noResize="1" noEditPoints="1" noAdjustHandles="1" noChangeArrowheads="1" noChangeShapeType="1" noTextEdit="1"/>
+              </p:cNvSpPr>
+              <p:nvPr/>
+            </p:nvSpPr>
+            <p:spPr>
+              <a:xfrm>
+                <a:off x="6979664" y="904461"/>
+                <a:ext cx="3565720" cy="1200329"/>
+              </a:xfrm>
+              <a:prstGeom prst="rect">
+                <a:avLst/>
+              </a:prstGeom>
+              <a:blipFill>
+                <a:blip r:embed="rId6"/>
+                <a:stretch>
+                  <a:fillRect t="-4061" b="-6091"/>
+                </a:stretch>
+              </a:blipFill>
+            </p:spPr>
+            <p:txBody>
+              <a:bodyPr/>
+              <a:lstStyle/>
+              <a:p>
+                <a:r>
+                  <a:rPr lang="en-US">
+                    <a:noFill/>
+                  </a:rPr>
+                  <a:t> </a:t>
+                </a:r>
+              </a:p>
+            </p:txBody>
+          </p:sp>
+        </mc:Fallback>
+      </mc:AlternateContent>
+      <mc:AlternateContent xmlns:mc="http://schemas.openxmlformats.org/markup-compatibility/2006">
+        <mc:Choice xmlns:a14="http://schemas.microsoft.com/office/drawing/2010/main" Requires="a14">
+          <p:sp>
+            <p:nvSpPr>
+              <p:cNvPr id="18" name="TextBox 17"/>
+              <p:cNvSpPr txBox="1"/>
+              <p:nvPr/>
+            </p:nvSpPr>
+            <p:spPr>
+              <a:xfrm>
+                <a:off x="5044966" y="3072348"/>
+                <a:ext cx="7435116" cy="3785652"/>
+              </a:xfrm>
+              <a:prstGeom prst="rect">
+                <a:avLst/>
+              </a:prstGeom>
+              <a:noFill/>
+            </p:spPr>
+            <p:txBody>
+              <a:bodyPr wrap="square" rtlCol="0">
+                <a:spAutoFit/>
+              </a:bodyPr>
+              <a:lstStyle/>
+              <a:p>
+                <a:pPr algn="ctr"/>
+                <a:r>
+                  <a:rPr lang="en-US" sz="2400" i="1" dirty="0" smtClean="0"/>
+                  <a:t>Assume:</a:t>
+                </a:r>
+              </a:p>
+              <a:p>
+                <a:pPr algn="ctr"/>
+                <a:r>
+                  <a:rPr lang="en-US" sz="2400" i="1" dirty="0" smtClean="0"/>
+                  <a:t>For </a:t>
+                </a:r>
+                <a14:m>
+                  <m:oMath xmlns:m="http://schemas.openxmlformats.org/officeDocument/2006/math">
+                    <m:sSub>
+                      <m:sSubPr>
+                        <m:ctrlPr>
+                          <a:rPr lang="en-US" sz="2400" i="1">
+                            <a:latin typeface="Cambria Math" panose="02040503050406030204" pitchFamily="18" charset="0"/>
+                          </a:rPr>
+                        </m:ctrlPr>
+                      </m:sSubPr>
+                      <m:e>
+                        <m:r>
+                          <a:rPr lang="en-US" sz="2400" i="1">
+                            <a:latin typeface="Cambria Math" panose="02040503050406030204" pitchFamily="18" charset="0"/>
+                          </a:rPr>
+                          <m:t>𝑔</m:t>
+                        </m:r>
+                      </m:e>
+                      <m:sub>
+                        <m:r>
+                          <a:rPr lang="en-US" sz="2400" i="1">
+                            <a:latin typeface="Cambria Math" panose="02040503050406030204" pitchFamily="18" charset="0"/>
+                          </a:rPr>
+                          <m:t>1</m:t>
+                        </m:r>
+                      </m:sub>
+                    </m:sSub>
+                  </m:oMath>
+                </a14:m>
+                <a:r>
+                  <a:rPr lang="en-US" sz="2400" i="1" dirty="0" smtClean="0"/>
+                  <a:t> to be violated, </a:t>
+                </a:r>
+              </a:p>
+              <a:p>
+                <a:pPr algn="ctr"/>
+                <a:r>
+                  <a:rPr lang="en-US" sz="2400" i="1" dirty="0"/>
+                  <a:t>b</a:t>
+                </a:r>
+                <a:r>
+                  <a:rPr lang="en-US" sz="2400" i="1" dirty="0" smtClean="0"/>
+                  <a:t>oth </a:t>
+                </a:r>
+                <a14:m>
+                  <m:oMath xmlns:m="http://schemas.openxmlformats.org/officeDocument/2006/math">
+                    <m:sSub>
+                      <m:sSubPr>
+                        <m:ctrlPr>
+                          <a:rPr lang="en-US" sz="2400" i="1">
+                            <a:latin typeface="Cambria Math" panose="02040503050406030204" pitchFamily="18" charset="0"/>
+                          </a:rPr>
+                        </m:ctrlPr>
+                      </m:sSubPr>
+                      <m:e>
+                        <m:r>
+                          <a:rPr lang="en-US" sz="2400" i="1">
+                            <a:latin typeface="Cambria Math" panose="02040503050406030204" pitchFamily="18" charset="0"/>
+                          </a:rPr>
+                          <m:t>𝑔</m:t>
+                        </m:r>
+                      </m:e>
+                      <m:sub>
+                        <m:r>
+                          <a:rPr lang="en-US" sz="2400" i="1">
+                            <a:latin typeface="Cambria Math" panose="02040503050406030204" pitchFamily="18" charset="0"/>
+                          </a:rPr>
+                          <m:t>2</m:t>
+                        </m:r>
+                      </m:sub>
+                    </m:sSub>
+                  </m:oMath>
+                </a14:m>
+                <a:r>
+                  <a:rPr lang="en-US" sz="2400" i="1" dirty="0" smtClean="0"/>
+                  <a:t> and </a:t>
+                </a:r>
+                <a14:m>
+                  <m:oMath xmlns:m="http://schemas.openxmlformats.org/officeDocument/2006/math">
+                    <m:sSub>
+                      <m:sSubPr>
+                        <m:ctrlPr>
+                          <a:rPr lang="en-US" sz="2400" i="1">
+                            <a:latin typeface="Cambria Math" panose="02040503050406030204" pitchFamily="18" charset="0"/>
+                          </a:rPr>
+                        </m:ctrlPr>
+                      </m:sSubPr>
+                      <m:e>
+                        <m:r>
+                          <a:rPr lang="en-US" sz="2400" i="1">
+                            <a:latin typeface="Cambria Math" panose="02040503050406030204" pitchFamily="18" charset="0"/>
+                          </a:rPr>
+                          <m:t>𝑔</m:t>
+                        </m:r>
+                      </m:e>
+                      <m:sub>
+                        <m:r>
+                          <a:rPr lang="en-US" sz="2400" i="1">
+                            <a:latin typeface="Cambria Math" panose="02040503050406030204" pitchFamily="18" charset="0"/>
+                          </a:rPr>
+                          <m:t>3</m:t>
+                        </m:r>
+                      </m:sub>
+                    </m:sSub>
+                  </m:oMath>
+                </a14:m>
+                <a:endParaRPr lang="en-US" sz="2400" i="1" dirty="0" smtClean="0"/>
+              </a:p>
+              <a:p>
+                <a:pPr algn="ctr"/>
+                <a:r>
+                  <a:rPr lang="en-US" sz="2400" i="1" dirty="0"/>
+                  <a:t>m</a:t>
+                </a:r>
+                <a:r>
+                  <a:rPr lang="en-US" sz="2400" i="1" dirty="0" smtClean="0"/>
+                  <a:t>ust also be violated.</a:t>
+                </a:r>
+              </a:p>
+              <a:p>
+                <a:pPr algn="ctr"/>
+                <a:endParaRPr lang="en-US" sz="2400" i="1" dirty="0" smtClean="0"/>
+              </a:p>
+              <a:p>
+                <a:pPr algn="ctr"/>
+                <a:endParaRPr lang="en-US" sz="2400" i="1" dirty="0"/>
+              </a:p>
+              <a:p>
+                <a:pPr algn="ctr"/>
+                <a14:m>
+                  <m:oMathPara xmlns:m="http://schemas.openxmlformats.org/officeDocument/2006/math">
+                    <m:oMathParaPr>
+                      <m:jc m:val="centerGroup"/>
+                    </m:oMathParaPr>
+                    <m:oMath xmlns:m="http://schemas.openxmlformats.org/officeDocument/2006/math">
+                      <m:sSub>
+                        <m:sSubPr>
+                          <m:ctrlPr>
+                            <a:rPr lang="en-US" sz="2400" i="1">
+                              <a:latin typeface="Cambria Math" panose="02040503050406030204" pitchFamily="18" charset="0"/>
+                            </a:rPr>
+                          </m:ctrlPr>
+                        </m:sSubPr>
+                        <m:e>
+                          <m:r>
+                            <a:rPr lang="en-US" sz="2400" i="1">
+                              <a:latin typeface="Cambria Math" panose="02040503050406030204" pitchFamily="18" charset="0"/>
+                            </a:rPr>
+                            <m:t>𝑀𝑖𝑛𝐶𝑢𝑡𝑆𝑒𝑡</m:t>
+                          </m:r>
+                          <m:r>
+                            <a:rPr lang="en-US" sz="2400" i="1">
+                              <a:latin typeface="Cambria Math" panose="02040503050406030204" pitchFamily="18" charset="0"/>
+                            </a:rPr>
+                            <m:t>(</m:t>
+                          </m:r>
+                          <m:r>
+                            <a:rPr lang="en-US" sz="2400" i="1">
+                              <a:latin typeface="Cambria Math" panose="02040503050406030204" pitchFamily="18" charset="0"/>
+                            </a:rPr>
+                            <m:t>𝑔</m:t>
+                          </m:r>
+                        </m:e>
+                        <m:sub>
+                          <m:r>
+                            <a:rPr lang="en-US" sz="2400" b="0" i="1" smtClean="0">
+                              <a:latin typeface="Cambria Math" panose="02040503050406030204" pitchFamily="18" charset="0"/>
+                            </a:rPr>
+                            <m:t>1</m:t>
+                          </m:r>
+                        </m:sub>
+                      </m:sSub>
+                      <m:r>
+                        <a:rPr lang="en-US" sz="2400" i="1">
+                          <a:latin typeface="Cambria Math" panose="02040503050406030204" pitchFamily="18" charset="0"/>
+                        </a:rPr>
+                        <m:t>)=</m:t>
+                      </m:r>
+                      <m:sSub>
+                        <m:sSubPr>
+                          <m:ctrlPr>
+                            <a:rPr lang="en-US" sz="2400" i="1">
+                              <a:latin typeface="Cambria Math" panose="02040503050406030204" pitchFamily="18" charset="0"/>
+                            </a:rPr>
+                          </m:ctrlPr>
+                        </m:sSubPr>
+                        <m:e>
+                          <m:r>
+                            <a:rPr lang="en-US" sz="2400" i="1">
+                              <a:latin typeface="Cambria Math" panose="02040503050406030204" pitchFamily="18" charset="0"/>
+                            </a:rPr>
+                            <m:t>{</m:t>
+                          </m:r>
+                          <m:r>
+                            <a:rPr lang="en-US" sz="2400" i="1">
+                              <a:latin typeface="Cambria Math" panose="02040503050406030204" pitchFamily="18" charset="0"/>
+                            </a:rPr>
+                            <m:t>𝑓</m:t>
+                          </m:r>
+                        </m:e>
+                        <m:sub>
+                          <m:r>
+                            <a:rPr lang="en-US" sz="2400" i="1">
+                              <a:latin typeface="Cambria Math" panose="02040503050406030204" pitchFamily="18" charset="0"/>
+                            </a:rPr>
+                            <m:t>1</m:t>
+                          </m:r>
+                        </m:sub>
+                      </m:sSub>
+                      <m:r>
+                        <a:rPr lang="en-US" sz="2400" i="1">
+                          <a:latin typeface="Cambria Math" panose="02040503050406030204" pitchFamily="18" charset="0"/>
+                        </a:rPr>
+                        <m:t>,</m:t>
+                      </m:r>
+                      <m:sSub>
+                        <m:sSubPr>
+                          <m:ctrlPr>
+                            <a:rPr lang="en-US" sz="2400" i="1">
+                              <a:latin typeface="Cambria Math" panose="02040503050406030204" pitchFamily="18" charset="0"/>
+                            </a:rPr>
+                          </m:ctrlPr>
+                        </m:sSubPr>
+                        <m:e>
+                          <m:r>
+                            <a:rPr lang="en-US" sz="2400" i="1">
+                              <a:latin typeface="Cambria Math" panose="02040503050406030204" pitchFamily="18" charset="0"/>
+                            </a:rPr>
+                            <m:t>𝑓</m:t>
+                          </m:r>
+                        </m:e>
+                        <m:sub>
+                          <m:r>
+                            <a:rPr lang="en-US" sz="2400" i="1">
+                              <a:latin typeface="Cambria Math" panose="02040503050406030204" pitchFamily="18" charset="0"/>
+                            </a:rPr>
+                            <m:t>2</m:t>
+                          </m:r>
+                        </m:sub>
+                      </m:sSub>
+                      <m:r>
+                        <a:rPr lang="en-US" sz="2400">
+                          <a:latin typeface="Cambria Math" panose="02040503050406030204" pitchFamily="18" charset="0"/>
+                        </a:rPr>
+                        <m:t>}</m:t>
+                      </m:r>
+                    </m:oMath>
+                  </m:oMathPara>
+                </a14:m>
+                <a:endParaRPr lang="en-US" sz="2400" dirty="0" smtClean="0">
+                  <a:latin typeface="Cambria Math" panose="02040503050406030204" pitchFamily="18" charset="0"/>
+                </a:endParaRPr>
+              </a:p>
+              <a:p>
+                <a:pPr algn="ctr"/>
+                <a14:m>
+                  <m:oMathPara xmlns:m="http://schemas.openxmlformats.org/officeDocument/2006/math">
+                    <m:oMathParaPr>
+                      <m:jc m:val="centerGroup"/>
+                    </m:oMathParaPr>
+                    <m:oMath xmlns:m="http://schemas.openxmlformats.org/officeDocument/2006/math">
+                      <m:sSub>
+                        <m:sSubPr>
+                          <m:ctrlPr>
+                            <a:rPr lang="en-US" sz="2400" i="1">
+                              <a:latin typeface="Cambria Math" panose="02040503050406030204" pitchFamily="18" charset="0"/>
+                            </a:rPr>
+                          </m:ctrlPr>
+                        </m:sSubPr>
+                        <m:e>
+                          <m:r>
+                            <a:rPr lang="en-US" sz="2400" i="1">
+                              <a:latin typeface="Cambria Math" panose="02040503050406030204" pitchFamily="18" charset="0"/>
+                            </a:rPr>
+                            <m:t>𝑃</m:t>
+                          </m:r>
+                          <m:r>
+                            <a:rPr lang="en-US" sz="2400" i="1">
+                              <a:latin typeface="Cambria Math" panose="02040503050406030204" pitchFamily="18" charset="0"/>
+                            </a:rPr>
+                            <m:t> (¬</m:t>
+                          </m:r>
+                          <m:r>
+                            <a:rPr lang="en-US" sz="2400" i="1">
+                              <a:latin typeface="Cambria Math" panose="02040503050406030204" pitchFamily="18" charset="0"/>
+                            </a:rPr>
+                            <m:t>𝑔</m:t>
+                          </m:r>
+                        </m:e>
+                        <m:sub>
+                          <m:r>
+                            <a:rPr lang="en-US" sz="2400" i="1">
+                              <a:latin typeface="Cambria Math" panose="02040503050406030204" pitchFamily="18" charset="0"/>
+                            </a:rPr>
+                            <m:t>1</m:t>
+                          </m:r>
+                        </m:sub>
+                      </m:sSub>
+                      <m:r>
+                        <a:rPr lang="en-US" sz="2400" i="1">
+                          <a:latin typeface="Cambria Math" panose="02040503050406030204" pitchFamily="18" charset="0"/>
+                        </a:rPr>
+                        <m:t>)=</m:t>
+                      </m:r>
+                      <m:sSub>
+                        <m:sSubPr>
+                          <m:ctrlPr>
+                            <a:rPr lang="en-US" sz="2400" i="1">
+                              <a:latin typeface="Cambria Math" panose="02040503050406030204" pitchFamily="18" charset="0"/>
+                            </a:rPr>
+                          </m:ctrlPr>
+                        </m:sSubPr>
+                        <m:e>
+                          <m:r>
+                            <a:rPr lang="en-US" sz="2400" i="1">
+                              <a:latin typeface="Cambria Math" panose="02040503050406030204" pitchFamily="18" charset="0"/>
+                            </a:rPr>
+                            <m:t>𝑃</m:t>
+                          </m:r>
+                          <m:r>
+                            <a:rPr lang="en-US" sz="2400" i="1">
+                              <a:latin typeface="Cambria Math" panose="02040503050406030204" pitchFamily="18" charset="0"/>
+                            </a:rPr>
+                            <m:t>(</m:t>
+                          </m:r>
+                          <m:r>
+                            <a:rPr lang="en-US" sz="2400" i="1">
+                              <a:latin typeface="Cambria Math" panose="02040503050406030204" pitchFamily="18" charset="0"/>
+                            </a:rPr>
+                            <m:t>𝑓</m:t>
+                          </m:r>
+                        </m:e>
+                        <m:sub>
+                          <m:r>
+                            <a:rPr lang="en-US" sz="2400" i="1">
+                              <a:latin typeface="Cambria Math" panose="02040503050406030204" pitchFamily="18" charset="0"/>
+                            </a:rPr>
+                            <m:t>1</m:t>
+                          </m:r>
+                        </m:sub>
+                      </m:sSub>
+                      <m:r>
+                        <a:rPr lang="en-US" sz="2400" i="1">
+                          <a:latin typeface="Cambria Math" panose="02040503050406030204" pitchFamily="18" charset="0"/>
+                        </a:rPr>
+                        <m:t>)∗</m:t>
+                      </m:r>
+                      <m:r>
+                        <a:rPr lang="en-US" sz="2400" i="1">
+                          <a:latin typeface="Cambria Math" panose="02040503050406030204" pitchFamily="18" charset="0"/>
+                        </a:rPr>
+                        <m:t>𝑃</m:t>
+                      </m:r>
+                      <m:r>
+                        <a:rPr lang="en-US" sz="2400" i="1">
+                          <a:latin typeface="Cambria Math" panose="02040503050406030204" pitchFamily="18" charset="0"/>
+                        </a:rPr>
+                        <m:t>(</m:t>
+                      </m:r>
+                      <m:sSub>
+                        <m:sSubPr>
+                          <m:ctrlPr>
+                            <a:rPr lang="en-US" sz="2400" i="1">
+                              <a:latin typeface="Cambria Math" panose="02040503050406030204" pitchFamily="18" charset="0"/>
+                            </a:rPr>
+                          </m:ctrlPr>
+                        </m:sSubPr>
+                        <m:e>
+                          <m:r>
+                            <a:rPr lang="en-US" sz="2400" i="1">
+                              <a:latin typeface="Cambria Math" panose="02040503050406030204" pitchFamily="18" charset="0"/>
+                            </a:rPr>
+                            <m:t>𝑓</m:t>
+                          </m:r>
+                        </m:e>
+                        <m:sub>
+                          <m:r>
+                            <a:rPr lang="en-US" sz="2400" i="1">
+                              <a:latin typeface="Cambria Math" panose="02040503050406030204" pitchFamily="18" charset="0"/>
+                            </a:rPr>
+                            <m:t>2</m:t>
+                          </m:r>
+                        </m:sub>
+                      </m:sSub>
+                      <m:r>
+                        <a:rPr lang="en-US" sz="2400">
+                          <a:latin typeface="Cambria Math" panose="02040503050406030204" pitchFamily="18" charset="0"/>
+                        </a:rPr>
+                        <m:t>)</m:t>
+                      </m:r>
+                    </m:oMath>
+                  </m:oMathPara>
+                </a14:m>
+                <a:endParaRPr lang="en-US" sz="2400" dirty="0"/>
+              </a:p>
+              <a:p>
+                <a:pPr algn="ctr"/>
+                <a:endParaRPr lang="en-US" sz="2400" dirty="0"/>
+              </a:p>
+              <a:p>
+                <a:pPr algn="ctr"/>
+                <a:endParaRPr lang="en-US" sz="2400" dirty="0"/>
+              </a:p>
+            </p:txBody>
+          </p:sp>
+        </mc:Choice>
+        <mc:Fallback>
+          <p:sp>
+            <p:nvSpPr>
+              <p:cNvPr id="18" name="TextBox 17"/>
+              <p:cNvSpPr txBox="1">
+                <a:spLocks noRot="1" noChangeAspect="1" noMove="1" noResize="1" noEditPoints="1" noAdjustHandles="1" noChangeArrowheads="1" noChangeShapeType="1" noTextEdit="1"/>
+              </p:cNvSpPr>
+              <p:nvPr/>
+            </p:nvSpPr>
+            <p:spPr>
+              <a:xfrm>
+                <a:off x="5044966" y="3072348"/>
+                <a:ext cx="7435116" cy="3785652"/>
+              </a:xfrm>
+              <a:prstGeom prst="rect">
+                <a:avLst/>
+              </a:prstGeom>
+              <a:blipFill>
+                <a:blip r:embed="rId7"/>
+                <a:stretch>
+                  <a:fillRect t="-1288"/>
+                </a:stretch>
+              </a:blipFill>
+            </p:spPr>
+            <p:txBody>
+              <a:bodyPr/>
+              <a:lstStyle/>
+              <a:p>
+                <a:r>
+                  <a:rPr lang="en-US">
+                    <a:noFill/>
+                  </a:rPr>
+                  <a:t> </a:t>
+                </a:r>
+              </a:p>
+            </p:txBody>
+          </p:sp>
+        </mc:Fallback>
+      </mc:AlternateContent>
+    </p:spTree>
+    <p:extLst>
+      <p:ext uri="{BB962C8B-B14F-4D97-AF65-F5344CB8AC3E}">
+        <p14:creationId xmlns:p14="http://schemas.microsoft.com/office/powerpoint/2010/main" val="1082470591"/>
+      </p:ext>
+    </p:extLst>
+  </p:cSld>
+  <p:clrMapOvr>
+    <a:masterClrMapping/>
+  </p:clrMapOvr>
+</p:sld>
+</file>
+
+<file path=ppt/slides/slide4.xml><?xml version="1.0" encoding="utf-8"?>
+<p:sld xmlns:a="http://schemas.openxmlformats.org/drawingml/2006/main" xmlns:r="http://schemas.openxmlformats.org/officeDocument/2006/relationships" xmlns:p="http://schemas.openxmlformats.org/presentationml/2006/main">
+  <p:cSld>
+    <p:spTree>
+      <p:nvGrpSpPr>
+        <p:cNvPr id="1" name=""/>
+        <p:cNvGrpSpPr/>
+        <p:nvPr/>
+      </p:nvGrpSpPr>
+      <p:grpSpPr>
+        <a:xfrm>
+          <a:off x="0" y="0"/>
+          <a:ext cx="0" cy="0"/>
+          <a:chOff x="0" y="0"/>
+          <a:chExt cx="0" cy="0"/>
+        </a:xfrm>
+      </p:grpSpPr>
+      <mc:AlternateContent xmlns:mc="http://schemas.openxmlformats.org/markup-compatibility/2006">
+        <mc:Choice xmlns:a14="http://schemas.microsoft.com/office/drawing/2010/main" Requires="a14">
+          <p:sp>
+            <p:nvSpPr>
+              <p:cNvPr id="19" name="TextBox 18"/>
+              <p:cNvSpPr txBox="1"/>
+              <p:nvPr/>
+            </p:nvSpPr>
+            <p:spPr>
+              <a:xfrm>
+                <a:off x="4098199" y="2405172"/>
+                <a:ext cx="7505223" cy="1200329"/>
+              </a:xfrm>
+              <a:prstGeom prst="rect">
+                <a:avLst/>
+              </a:prstGeom>
+              <a:noFill/>
+            </p:spPr>
+            <p:txBody>
+              <a:bodyPr wrap="square" rtlCol="0">
+                <a:spAutoFit/>
+              </a:bodyPr>
+              <a:lstStyle/>
+              <a:p>
+                <a:endParaRPr lang="en-US" i="1" dirty="0" smtClean="0"/>
+              </a:p>
+              <a:p>
+                <a:pPr algn="ctr"/>
+                <a14:m>
+                  <m:oMath xmlns:m="http://schemas.openxmlformats.org/officeDocument/2006/math">
+                    <m:sSub>
+                      <m:sSubPr>
+                        <m:ctrlPr>
+                          <a:rPr lang="en-US" i="1">
+                            <a:latin typeface="Cambria Math" panose="02040503050406030204" pitchFamily="18" charset="0"/>
+                          </a:rPr>
+                        </m:ctrlPr>
+                      </m:sSubPr>
+                      <m:e>
+                        <m:r>
+                          <a:rPr lang="en-US" i="1">
+                            <a:latin typeface="Cambria Math" panose="02040503050406030204" pitchFamily="18" charset="0"/>
+                          </a:rPr>
+                          <m:t>𝑃</m:t>
+                        </m:r>
+                        <m:r>
+                          <a:rPr lang="en-US" i="1">
+                            <a:latin typeface="Cambria Math" panose="02040503050406030204" pitchFamily="18" charset="0"/>
+                          </a:rPr>
+                          <m:t> (¬</m:t>
+                        </m:r>
+                        <m:r>
+                          <a:rPr lang="en-US" i="1">
+                            <a:latin typeface="Cambria Math" panose="02040503050406030204" pitchFamily="18" charset="0"/>
+                          </a:rPr>
+                          <m:t>𝑔</m:t>
+                        </m:r>
+                      </m:e>
+                      <m:sub>
+                        <m:r>
+                          <a:rPr lang="en-US" i="1">
+                            <a:latin typeface="Cambria Math" panose="02040503050406030204" pitchFamily="18" charset="0"/>
+                          </a:rPr>
+                          <m:t>1</m:t>
+                        </m:r>
+                      </m:sub>
+                    </m:sSub>
+                    <m:r>
+                      <a:rPr lang="en-US" i="1">
+                        <a:latin typeface="Cambria Math" panose="02040503050406030204" pitchFamily="18" charset="0"/>
+                      </a:rPr>
+                      <m:t>)</m:t>
+                    </m:r>
+                  </m:oMath>
+                </a14:m>
+                <a:r>
+                  <a:rPr lang="en-US" i="1" dirty="0">
+                    <a:latin typeface="Cambria Math" panose="02040503050406030204" pitchFamily="18" charset="0"/>
+                  </a:rPr>
+                  <a:t> </a:t>
+                </a:r>
+                <a:r>
+                  <a:rPr lang="en-US" dirty="0" smtClean="0">
+                    <a:latin typeface="Cambria Math" panose="02040503050406030204" pitchFamily="18" charset="0"/>
+                  </a:rPr>
+                  <a:t>=</a:t>
+                </a:r>
+                <a:r>
+                  <a:rPr lang="en-US" i="1" dirty="0" smtClean="0">
+                    <a:latin typeface="Cambria Math" panose="02040503050406030204" pitchFamily="18" charset="0"/>
+                  </a:rPr>
+                  <a:t> </a:t>
+                </a:r>
+                <a14:m>
+                  <m:oMath xmlns:m="http://schemas.openxmlformats.org/officeDocument/2006/math">
+                    <m:sSub>
+                      <m:sSubPr>
+                        <m:ctrlPr>
+                          <a:rPr lang="en-US" i="1">
+                            <a:latin typeface="Cambria Math" panose="02040503050406030204" pitchFamily="18" charset="0"/>
+                          </a:rPr>
+                        </m:ctrlPr>
+                      </m:sSubPr>
+                      <m:e>
+                        <m:sSub>
+                          <m:sSubPr>
+                            <m:ctrlPr>
+                              <a:rPr lang="en-US" i="1">
+                                <a:latin typeface="Cambria Math" panose="02040503050406030204" pitchFamily="18" charset="0"/>
+                              </a:rPr>
+                            </m:ctrlPr>
+                          </m:sSubPr>
+                          <m:e>
+                            <m:r>
+                              <a:rPr lang="en-US" i="1">
+                                <a:latin typeface="Cambria Math" panose="02040503050406030204" pitchFamily="18" charset="0"/>
+                              </a:rPr>
+                              <m:t>𝑃</m:t>
+                            </m:r>
+                            <m:r>
+                              <a:rPr lang="en-US" i="1">
+                                <a:latin typeface="Cambria Math" panose="02040503050406030204" pitchFamily="18" charset="0"/>
+                              </a:rPr>
+                              <m:t> (¬</m:t>
+                            </m:r>
+                            <m:r>
+                              <a:rPr lang="en-US" i="1">
+                                <a:latin typeface="Cambria Math" panose="02040503050406030204" pitchFamily="18" charset="0"/>
+                              </a:rPr>
+                              <m:t>𝑔</m:t>
+                            </m:r>
+                          </m:e>
+                          <m:sub>
+                            <m:r>
+                              <a:rPr lang="en-US" b="0" i="1" smtClean="0">
+                                <a:latin typeface="Cambria Math" panose="02040503050406030204" pitchFamily="18" charset="0"/>
+                              </a:rPr>
+                              <m:t>2</m:t>
+                            </m:r>
+                          </m:sub>
+                        </m:sSub>
+                        <m:sSub>
+                          <m:sSubPr>
+                            <m:ctrlPr>
+                              <a:rPr lang="en-US" i="1">
+                                <a:latin typeface="Cambria Math" panose="02040503050406030204" pitchFamily="18" charset="0"/>
+                              </a:rPr>
+                            </m:ctrlPr>
+                          </m:sSubPr>
+                          <m:e>
+                            <m:r>
+                              <a:rPr lang="en-US" i="1" smtClean="0">
+                                <a:latin typeface="Cambria Math" panose="02040503050406030204" pitchFamily="18" charset="0"/>
+                              </a:rPr>
+                              <m:t>∧¬</m:t>
+                            </m:r>
+                            <m:r>
+                              <a:rPr lang="en-US" i="1">
+                                <a:latin typeface="Cambria Math" panose="02040503050406030204" pitchFamily="18" charset="0"/>
+                              </a:rPr>
+                              <m:t>𝑔</m:t>
+                            </m:r>
+                          </m:e>
+                          <m:sub>
+                            <m:r>
+                              <a:rPr lang="en-US" b="0" i="1" smtClean="0">
+                                <a:latin typeface="Cambria Math" panose="02040503050406030204" pitchFamily="18" charset="0"/>
+                              </a:rPr>
+                              <m:t>3</m:t>
+                            </m:r>
+                          </m:sub>
+                        </m:sSub>
+                        <m:r>
+                          <a:rPr lang="en-US" i="1">
+                            <a:latin typeface="Cambria Math" panose="02040503050406030204" pitchFamily="18" charset="0"/>
+                          </a:rPr>
+                          <m:t>)</m:t>
+                        </m:r>
+                        <m:r>
+                          <a:rPr lang="en-US" b="0" i="1" smtClean="0">
+                            <a:latin typeface="Cambria Math" panose="02040503050406030204" pitchFamily="18" charset="0"/>
+                          </a:rPr>
+                          <m:t>=[</m:t>
+                        </m:r>
+                        <m:r>
+                          <a:rPr lang="en-US" i="1">
+                            <a:latin typeface="Cambria Math" panose="02040503050406030204" pitchFamily="18" charset="0"/>
+                          </a:rPr>
+                          <m:t>𝑃</m:t>
+                        </m:r>
+                        <m:r>
+                          <a:rPr lang="en-US" i="1">
+                            <a:latin typeface="Cambria Math" panose="02040503050406030204" pitchFamily="18" charset="0"/>
+                          </a:rPr>
+                          <m:t>(</m:t>
+                        </m:r>
+                        <m:r>
+                          <a:rPr lang="en-US" i="1">
+                            <a:latin typeface="Cambria Math" panose="02040503050406030204" pitchFamily="18" charset="0"/>
+                          </a:rPr>
+                          <m:t>𝑓</m:t>
+                        </m:r>
+                      </m:e>
+                      <m:sub>
+                        <m:r>
+                          <a:rPr lang="en-US" i="1">
+                            <a:latin typeface="Cambria Math" panose="02040503050406030204" pitchFamily="18" charset="0"/>
+                          </a:rPr>
+                          <m:t>1</m:t>
+                        </m:r>
+                      </m:sub>
+                    </m:sSub>
+                    <m:r>
+                      <a:rPr lang="en-US" i="1">
+                        <a:latin typeface="Cambria Math" panose="02040503050406030204" pitchFamily="18" charset="0"/>
+                      </a:rPr>
+                      <m:t>)</m:t>
+                    </m:r>
+                    <m:r>
+                      <a:rPr lang="en-US" b="0" i="1" smtClean="0">
+                        <a:latin typeface="Cambria Math" panose="02040503050406030204" pitchFamily="18" charset="0"/>
+                      </a:rPr>
+                      <m:t>]</m:t>
+                    </m:r>
+                    <m:r>
+                      <a:rPr lang="en-US" i="1">
+                        <a:latin typeface="Cambria Math" panose="02040503050406030204" pitchFamily="18" charset="0"/>
+                      </a:rPr>
+                      <m:t>∗</m:t>
+                    </m:r>
+                    <m:sSub>
+                      <m:sSubPr>
+                        <m:ctrlPr>
+                          <a:rPr lang="en-US" i="1">
+                            <a:latin typeface="Cambria Math" panose="02040503050406030204" pitchFamily="18" charset="0"/>
+                          </a:rPr>
+                        </m:ctrlPr>
+                      </m:sSubPr>
+                      <m:e>
+                        <m:r>
+                          <a:rPr lang="en-US" b="0" i="1" smtClean="0">
+                            <a:latin typeface="Cambria Math" panose="02040503050406030204" pitchFamily="18" charset="0"/>
+                          </a:rPr>
+                          <m:t>[</m:t>
+                        </m:r>
+                        <m:r>
+                          <a:rPr lang="en-US" i="1">
+                            <a:latin typeface="Cambria Math" panose="02040503050406030204" pitchFamily="18" charset="0"/>
+                          </a:rPr>
+                          <m:t>𝑃</m:t>
+                        </m:r>
+                        <m:r>
+                          <a:rPr lang="en-US" i="1">
+                            <a:latin typeface="Cambria Math" panose="02040503050406030204" pitchFamily="18" charset="0"/>
+                          </a:rPr>
+                          <m:t>(</m:t>
+                        </m:r>
+                        <m:r>
+                          <a:rPr lang="en-US" i="1">
+                            <a:latin typeface="Cambria Math" panose="02040503050406030204" pitchFamily="18" charset="0"/>
+                          </a:rPr>
+                          <m:t>𝑓</m:t>
+                        </m:r>
+                      </m:e>
+                      <m:sub>
+                        <m:r>
+                          <a:rPr lang="en-US" i="1">
+                            <a:latin typeface="Cambria Math" panose="02040503050406030204" pitchFamily="18" charset="0"/>
+                          </a:rPr>
+                          <m:t>1</m:t>
+                        </m:r>
+                      </m:sub>
+                    </m:sSub>
+                    <m:r>
+                      <a:rPr lang="en-US" i="1">
+                        <a:latin typeface="Cambria Math" panose="02040503050406030204" pitchFamily="18" charset="0"/>
+                      </a:rPr>
+                      <m:t>)∗</m:t>
+                    </m:r>
+                  </m:oMath>
+                </a14:m>
+                <a:r>
+                  <a:rPr lang="en-US" dirty="0"/>
+                  <a:t> </a:t>
+                </a:r>
+                <a14:m>
+                  <m:oMath xmlns:m="http://schemas.openxmlformats.org/officeDocument/2006/math">
+                    <m:sSub>
+                      <m:sSubPr>
+                        <m:ctrlPr>
+                          <a:rPr lang="en-US" i="1">
+                            <a:latin typeface="Cambria Math" panose="02040503050406030204" pitchFamily="18" charset="0"/>
+                          </a:rPr>
+                        </m:ctrlPr>
+                      </m:sSubPr>
+                      <m:e>
+                        <m:r>
+                          <a:rPr lang="en-US" i="1">
+                            <a:latin typeface="Cambria Math" panose="02040503050406030204" pitchFamily="18" charset="0"/>
+                          </a:rPr>
+                          <m:t>𝑃</m:t>
+                        </m:r>
+                        <m:r>
+                          <a:rPr lang="en-US" i="1">
+                            <a:latin typeface="Cambria Math" panose="02040503050406030204" pitchFamily="18" charset="0"/>
+                          </a:rPr>
+                          <m:t>(</m:t>
+                        </m:r>
+                        <m:r>
+                          <a:rPr lang="en-US" i="1">
+                            <a:latin typeface="Cambria Math" panose="02040503050406030204" pitchFamily="18" charset="0"/>
+                          </a:rPr>
+                          <m:t>𝑓</m:t>
+                        </m:r>
+                      </m:e>
+                      <m:sub>
+                        <m:r>
+                          <a:rPr lang="en-US" i="1">
+                            <a:latin typeface="Cambria Math" panose="02040503050406030204" pitchFamily="18" charset="0"/>
+                          </a:rPr>
+                          <m:t>2</m:t>
+                        </m:r>
+                      </m:sub>
+                    </m:sSub>
+                    <m:r>
+                      <a:rPr lang="en-US" i="1">
+                        <a:latin typeface="Cambria Math" panose="02040503050406030204" pitchFamily="18" charset="0"/>
+                      </a:rPr>
+                      <m:t>)</m:t>
+                    </m:r>
+                    <m:r>
+                      <a:rPr lang="en-US" b="0" i="1" smtClean="0">
+                        <a:latin typeface="Cambria Math" panose="02040503050406030204" pitchFamily="18" charset="0"/>
+                      </a:rPr>
+                      <m:t>]</m:t>
+                    </m:r>
+                  </m:oMath>
+                </a14:m>
+                <a:endParaRPr lang="en-US" b="0" dirty="0" smtClean="0"/>
+              </a:p>
+              <a:p>
+                <a:pPr algn="ctr"/>
+                <a:endParaRPr lang="en-US" b="0" dirty="0" smtClean="0"/>
+              </a:p>
+              <a:p>
+                <a:pPr algn="ctr"/>
+                <a14:m>
+                  <m:oMath xmlns:m="http://schemas.openxmlformats.org/officeDocument/2006/math">
+                    <m:sSub>
+                      <m:sSubPr>
+                        <m:ctrlPr>
+                          <a:rPr lang="en-US" i="1">
+                            <a:latin typeface="Cambria Math" panose="02040503050406030204" pitchFamily="18" charset="0"/>
+                          </a:rPr>
+                        </m:ctrlPr>
+                      </m:sSubPr>
+                      <m:e>
+                        <m:r>
+                          <a:rPr lang="en-US" i="1">
+                            <a:latin typeface="Cambria Math" panose="02040503050406030204" pitchFamily="18" charset="0"/>
+                          </a:rPr>
+                          <m:t>𝑃</m:t>
+                        </m:r>
+                        <m:r>
+                          <a:rPr lang="en-US" i="1">
+                            <a:latin typeface="Cambria Math" panose="02040503050406030204" pitchFamily="18" charset="0"/>
+                          </a:rPr>
+                          <m:t>(</m:t>
+                        </m:r>
+                        <m:r>
+                          <a:rPr lang="en-US" i="1">
+                            <a:latin typeface="Cambria Math" panose="02040503050406030204" pitchFamily="18" charset="0"/>
+                          </a:rPr>
+                          <m:t>𝑓</m:t>
+                        </m:r>
+                      </m:e>
+                      <m:sub>
+                        <m:r>
+                          <a:rPr lang="en-US" i="1">
+                            <a:latin typeface="Cambria Math" panose="02040503050406030204" pitchFamily="18" charset="0"/>
+                          </a:rPr>
+                          <m:t>1</m:t>
+                        </m:r>
+                      </m:sub>
+                    </m:sSub>
+                    <m:r>
+                      <a:rPr lang="en-US" i="1">
+                        <a:latin typeface="Cambria Math" panose="02040503050406030204" pitchFamily="18" charset="0"/>
+                      </a:rPr>
+                      <m:t>)∗</m:t>
+                    </m:r>
+                  </m:oMath>
+                </a14:m>
+                <a:r>
+                  <a:rPr lang="en-US" dirty="0"/>
+                  <a:t> </a:t>
+                </a:r>
+                <a14:m>
+                  <m:oMath xmlns:m="http://schemas.openxmlformats.org/officeDocument/2006/math">
+                    <m:sSub>
+                      <m:sSubPr>
+                        <m:ctrlPr>
+                          <a:rPr lang="en-US" i="1">
+                            <a:latin typeface="Cambria Math" panose="02040503050406030204" pitchFamily="18" charset="0"/>
+                          </a:rPr>
+                        </m:ctrlPr>
+                      </m:sSubPr>
+                      <m:e>
+                        <m:r>
+                          <a:rPr lang="en-US" i="1">
+                            <a:latin typeface="Cambria Math" panose="02040503050406030204" pitchFamily="18" charset="0"/>
+                          </a:rPr>
+                          <m:t>𝑃</m:t>
+                        </m:r>
+                        <m:r>
+                          <a:rPr lang="en-US" i="1">
+                            <a:latin typeface="Cambria Math" panose="02040503050406030204" pitchFamily="18" charset="0"/>
+                          </a:rPr>
+                          <m:t>(</m:t>
+                        </m:r>
+                        <m:r>
+                          <a:rPr lang="en-US" i="1">
+                            <a:latin typeface="Cambria Math" panose="02040503050406030204" pitchFamily="18" charset="0"/>
+                          </a:rPr>
+                          <m:t>𝑓</m:t>
+                        </m:r>
+                      </m:e>
+                      <m:sub>
+                        <m:r>
+                          <a:rPr lang="en-US" i="1">
+                            <a:latin typeface="Cambria Math" panose="02040503050406030204" pitchFamily="18" charset="0"/>
+                          </a:rPr>
+                          <m:t>2</m:t>
+                        </m:r>
+                      </m:sub>
+                    </m:sSub>
+                    <m:r>
+                      <a:rPr lang="en-US" i="1">
+                        <a:latin typeface="Cambria Math" panose="02040503050406030204" pitchFamily="18" charset="0"/>
+                      </a:rPr>
+                      <m:t>)</m:t>
+                    </m:r>
+                  </m:oMath>
+                </a14:m>
+                <a:r>
+                  <a:rPr lang="en-US" i="1" dirty="0" smtClean="0">
+                    <a:latin typeface="Cambria Math" panose="02040503050406030204" pitchFamily="18" charset="0"/>
+                  </a:rPr>
+                  <a:t> </a:t>
+                </a:r>
+                <a:r>
+                  <a:rPr lang="en-US" dirty="0" smtClean="0">
+                    <a:latin typeface="Cambria Math" panose="02040503050406030204" pitchFamily="18" charset="0"/>
+                  </a:rPr>
+                  <a:t>&gt;</a:t>
+                </a:r>
+                <a14:m>
+                  <m:oMath xmlns:m="http://schemas.openxmlformats.org/officeDocument/2006/math">
+                    <m:sSub>
+                      <m:sSubPr>
+                        <m:ctrlPr>
+                          <a:rPr lang="en-US" i="1">
+                            <a:latin typeface="Cambria Math" panose="02040503050406030204" pitchFamily="18" charset="0"/>
+                          </a:rPr>
+                        </m:ctrlPr>
+                      </m:sSubPr>
+                      <m:e>
+                        <m:r>
+                          <a:rPr lang="en-US" b="0" i="1" smtClean="0">
+                            <a:latin typeface="Cambria Math" panose="02040503050406030204" pitchFamily="18" charset="0"/>
+                          </a:rPr>
+                          <m:t> </m:t>
+                        </m:r>
+                        <m:r>
+                          <a:rPr lang="en-US" i="1">
+                            <a:latin typeface="Cambria Math" panose="02040503050406030204" pitchFamily="18" charset="0"/>
+                          </a:rPr>
+                          <m:t>𝑃</m:t>
+                        </m:r>
+                        <m:r>
+                          <a:rPr lang="en-US" i="1">
+                            <a:latin typeface="Cambria Math" panose="02040503050406030204" pitchFamily="18" charset="0"/>
+                          </a:rPr>
+                          <m:t>(</m:t>
+                        </m:r>
+                        <m:r>
+                          <a:rPr lang="en-US" i="1">
+                            <a:latin typeface="Cambria Math" panose="02040503050406030204" pitchFamily="18" charset="0"/>
+                          </a:rPr>
+                          <m:t>𝑓</m:t>
+                        </m:r>
+                      </m:e>
+                      <m:sub>
+                        <m:r>
+                          <a:rPr lang="en-US" i="1">
+                            <a:latin typeface="Cambria Math" panose="02040503050406030204" pitchFamily="18" charset="0"/>
+                          </a:rPr>
+                          <m:t>1</m:t>
+                        </m:r>
+                      </m:sub>
+                    </m:sSub>
+                    <m:r>
+                      <a:rPr lang="en-US" i="1">
+                        <a:latin typeface="Cambria Math" panose="02040503050406030204" pitchFamily="18" charset="0"/>
+                      </a:rPr>
+                      <m:t>)</m:t>
+                    </m:r>
+                    <m:sSub>
+                      <m:sSubPr>
+                        <m:ctrlPr>
+                          <a:rPr lang="en-US" i="1">
+                            <a:latin typeface="Cambria Math" panose="02040503050406030204" pitchFamily="18" charset="0"/>
+                          </a:rPr>
+                        </m:ctrlPr>
+                      </m:sSubPr>
+                      <m:e>
+                        <m:r>
+                          <a:rPr lang="en-US" b="0" i="1" smtClean="0">
+                            <a:latin typeface="Cambria Math" panose="02040503050406030204" pitchFamily="18" charset="0"/>
+                          </a:rPr>
+                          <m:t>∗</m:t>
+                        </m:r>
+                        <m:r>
+                          <a:rPr lang="en-US" i="1">
+                            <a:latin typeface="Cambria Math" panose="02040503050406030204" pitchFamily="18" charset="0"/>
+                          </a:rPr>
+                          <m:t>𝑃</m:t>
+                        </m:r>
+                        <m:r>
+                          <a:rPr lang="en-US" i="1">
+                            <a:latin typeface="Cambria Math" panose="02040503050406030204" pitchFamily="18" charset="0"/>
+                          </a:rPr>
+                          <m:t>(</m:t>
+                        </m:r>
+                        <m:r>
+                          <a:rPr lang="en-US" i="1">
+                            <a:latin typeface="Cambria Math" panose="02040503050406030204" pitchFamily="18" charset="0"/>
+                          </a:rPr>
+                          <m:t>𝑓</m:t>
+                        </m:r>
+                      </m:e>
+                      <m:sub>
+                        <m:r>
+                          <a:rPr lang="en-US" i="1">
+                            <a:latin typeface="Cambria Math" panose="02040503050406030204" pitchFamily="18" charset="0"/>
+                          </a:rPr>
+                          <m:t>1</m:t>
+                        </m:r>
+                      </m:sub>
+                    </m:sSub>
+                    <m:r>
+                      <a:rPr lang="en-US" i="1">
+                        <a:latin typeface="Cambria Math" panose="02040503050406030204" pitchFamily="18" charset="0"/>
+                      </a:rPr>
+                      <m:t>)∗</m:t>
+                    </m:r>
+                  </m:oMath>
+                </a14:m>
+                <a:r>
+                  <a:rPr lang="en-US" dirty="0"/>
+                  <a:t> </a:t>
+                </a:r>
+                <a14:m>
+                  <m:oMath xmlns:m="http://schemas.openxmlformats.org/officeDocument/2006/math">
+                    <m:sSub>
+                      <m:sSubPr>
+                        <m:ctrlPr>
+                          <a:rPr lang="en-US" i="1">
+                            <a:latin typeface="Cambria Math" panose="02040503050406030204" pitchFamily="18" charset="0"/>
+                          </a:rPr>
+                        </m:ctrlPr>
+                      </m:sSubPr>
+                      <m:e>
+                        <m:r>
+                          <a:rPr lang="en-US" i="1">
+                            <a:latin typeface="Cambria Math" panose="02040503050406030204" pitchFamily="18" charset="0"/>
+                          </a:rPr>
+                          <m:t>𝑃</m:t>
+                        </m:r>
+                        <m:r>
+                          <a:rPr lang="en-US" i="1">
+                            <a:latin typeface="Cambria Math" panose="02040503050406030204" pitchFamily="18" charset="0"/>
+                          </a:rPr>
+                          <m:t>(</m:t>
+                        </m:r>
+                        <m:r>
+                          <a:rPr lang="en-US" i="1">
+                            <a:latin typeface="Cambria Math" panose="02040503050406030204" pitchFamily="18" charset="0"/>
+                          </a:rPr>
+                          <m:t>𝑓</m:t>
+                        </m:r>
+                      </m:e>
+                      <m:sub>
+                        <m:r>
+                          <a:rPr lang="en-US" i="1">
+                            <a:latin typeface="Cambria Math" panose="02040503050406030204" pitchFamily="18" charset="0"/>
+                          </a:rPr>
+                          <m:t>2</m:t>
+                        </m:r>
+                      </m:sub>
+                    </m:sSub>
+                    <m:r>
+                      <a:rPr lang="en-US" i="1">
+                        <a:latin typeface="Cambria Math" panose="02040503050406030204" pitchFamily="18" charset="0"/>
+                      </a:rPr>
+                      <m:t>)</m:t>
+                    </m:r>
+                  </m:oMath>
+                </a14:m>
+                <a:endParaRPr lang="en-US" i="1" dirty="0">
+                  <a:latin typeface="Cambria Math" panose="02040503050406030204" pitchFamily="18" charset="0"/>
+                </a:endParaRPr>
+              </a:p>
+            </p:txBody>
+          </p:sp>
+        </mc:Choice>
+        <mc:Fallback>
+          <p:sp>
+            <p:nvSpPr>
+              <p:cNvPr id="19" name="TextBox 18"/>
+              <p:cNvSpPr txBox="1">
+                <a:spLocks noRot="1" noChangeAspect="1" noMove="1" noResize="1" noEditPoints="1" noAdjustHandles="1" noChangeArrowheads="1" noChangeShapeType="1" noTextEdit="1"/>
+              </p:cNvSpPr>
+              <p:nvPr/>
+            </p:nvSpPr>
+            <p:spPr>
+              <a:xfrm>
+                <a:off x="4098199" y="2405172"/>
+                <a:ext cx="7505223" cy="1200329"/>
+              </a:xfrm>
+              <a:prstGeom prst="rect">
+                <a:avLst/>
+              </a:prstGeom>
+              <a:blipFill>
+                <a:blip r:embed="rId2"/>
+                <a:stretch>
+                  <a:fillRect b="-6633"/>
+                </a:stretch>
+              </a:blipFill>
+            </p:spPr>
+            <p:txBody>
+              <a:bodyPr/>
+              <a:lstStyle/>
+              <a:p>
+                <a:r>
+                  <a:rPr lang="en-US">
+                    <a:noFill/>
+                  </a:rPr>
+                  <a:t> </a:t>
+                </a:r>
+              </a:p>
+            </p:txBody>
+          </p:sp>
+        </mc:Fallback>
+      </mc:AlternateContent>
+      <p:pic>
+        <p:nvPicPr>
+          <p:cNvPr id="3" name="Picture 2"/>
+          <p:cNvPicPr>
+            <a:picLocks noChangeAspect="1"/>
+          </p:cNvPicPr>
+          <p:nvPr/>
+        </p:nvPicPr>
+        <p:blipFill>
+          <a:blip r:embed="rId3">
+            <a:extLst>
+              <a:ext uri="{28A0092B-C50C-407E-A947-70E740481C1C}">
+                <a14:useLocalDpi xmlns:a14="http://schemas.microsoft.com/office/drawing/2010/main" val="0"/>
+              </a:ext>
+            </a:extLst>
+          </a:blip>
+          <a:stretch>
+            <a:fillRect/>
+          </a:stretch>
+        </p:blipFill>
+        <p:spPr>
+          <a:xfrm>
+            <a:off x="266824" y="2934919"/>
+            <a:ext cx="3670489" cy="3657788"/>
+          </a:xfrm>
+          <a:prstGeom prst="rect">
+            <a:avLst/>
+          </a:prstGeom>
+        </p:spPr>
+      </p:pic>
+      <mc:AlternateContent xmlns:mc="http://schemas.openxmlformats.org/markup-compatibility/2006">
+        <mc:Choice xmlns:a14="http://schemas.microsoft.com/office/drawing/2010/main" Requires="a14">
+          <p:sp>
+            <p:nvSpPr>
+              <p:cNvPr id="24" name="TextBox 23"/>
+              <p:cNvSpPr txBox="1"/>
+              <p:nvPr/>
+            </p:nvSpPr>
+            <p:spPr>
+              <a:xfrm>
+                <a:off x="6449975" y="1119372"/>
+                <a:ext cx="4742324" cy="717632"/>
+              </a:xfrm>
+              <a:prstGeom prst="rect">
+                <a:avLst/>
+              </a:prstGeom>
+              <a:noFill/>
+            </p:spPr>
+            <p:txBody>
+              <a:bodyPr wrap="none" rtlCol="0">
+                <a:spAutoFit/>
+              </a:bodyPr>
+              <a:lstStyle/>
+              <a:p>
+                <a:pPr/>
+                <a14:m>
+                  <m:oMathPara xmlns:m="http://schemas.openxmlformats.org/officeDocument/2006/math">
+                    <m:oMathParaPr>
+                      <m:jc m:val="left"/>
+                    </m:oMathParaPr>
+                    <m:oMath xmlns:m="http://schemas.openxmlformats.org/officeDocument/2006/math">
+                      <m:sSub>
+                        <m:sSubPr>
+                          <m:ctrlPr>
+                            <a:rPr lang="en-US" i="1">
+                              <a:latin typeface="Cambria Math" panose="02040503050406030204" pitchFamily="18" charset="0"/>
+                            </a:rPr>
+                          </m:ctrlPr>
+                        </m:sSubPr>
+                        <m:e>
+                          <m:r>
+                            <a:rPr lang="en-US" i="1">
+                              <a:latin typeface="Cambria Math" panose="02040503050406030204" pitchFamily="18" charset="0"/>
+                            </a:rPr>
+                            <m:t>𝑃</m:t>
+                          </m:r>
+                          <m:r>
+                            <a:rPr lang="en-US" i="1">
+                              <a:latin typeface="Cambria Math" panose="02040503050406030204" pitchFamily="18" charset="0"/>
+                            </a:rPr>
+                            <m:t> (¬</m:t>
+                          </m:r>
+                          <m:r>
+                            <a:rPr lang="en-US" i="1">
+                              <a:latin typeface="Cambria Math" panose="02040503050406030204" pitchFamily="18" charset="0"/>
+                            </a:rPr>
+                            <m:t>𝑔</m:t>
+                          </m:r>
+                        </m:e>
+                        <m:sub>
+                          <m:r>
+                            <a:rPr lang="en-US" i="1">
+                              <a:latin typeface="Cambria Math" panose="02040503050406030204" pitchFamily="18" charset="0"/>
+                            </a:rPr>
+                            <m:t>2</m:t>
+                          </m:r>
+                        </m:sub>
+                      </m:sSub>
+                      <m:r>
+                        <a:rPr lang="en-US" i="1">
+                          <a:latin typeface="Cambria Math" panose="02040503050406030204" pitchFamily="18" charset="0"/>
+                        </a:rPr>
+                        <m:t>)=</m:t>
+                      </m:r>
+                      <m:sSub>
+                        <m:sSubPr>
+                          <m:ctrlPr>
+                            <a:rPr lang="en-US" i="1">
+                              <a:latin typeface="Cambria Math" panose="02040503050406030204" pitchFamily="18" charset="0"/>
+                            </a:rPr>
+                          </m:ctrlPr>
+                        </m:sSubPr>
+                        <m:e>
+                          <m:r>
+                            <a:rPr lang="en-US" i="1">
+                              <a:latin typeface="Cambria Math" panose="02040503050406030204" pitchFamily="18" charset="0"/>
+                            </a:rPr>
+                            <m:t>𝑃</m:t>
+                          </m:r>
+                          <m:d>
+                            <m:dPr>
+                              <m:ctrlPr>
+                                <a:rPr lang="en-US" i="1">
+                                  <a:latin typeface="Cambria Math" panose="02040503050406030204" pitchFamily="18" charset="0"/>
+                                </a:rPr>
+                              </m:ctrlPr>
+                            </m:dPr>
+                            <m:e>
+                              <m:r>
+                                <a:rPr lang="en-US" i="1">
+                                  <a:latin typeface="Cambria Math" panose="02040503050406030204" pitchFamily="18" charset="0"/>
+                                </a:rPr>
+                                <m:t>𝑀𝑖𝑛𝐶𝑢𝑡𝑆𝑒𝑡</m:t>
+                              </m:r>
+                              <m:d>
+                                <m:dPr>
+                                  <m:ctrlPr>
+                                    <a:rPr lang="en-US" i="1">
+                                      <a:latin typeface="Cambria Math" panose="02040503050406030204" pitchFamily="18" charset="0"/>
+                                    </a:rPr>
+                                  </m:ctrlPr>
+                                </m:dPr>
+                                <m:e>
+                                  <m:sSub>
+                                    <m:sSubPr>
+                                      <m:ctrlPr>
+                                        <a:rPr lang="en-US" i="1">
+                                          <a:latin typeface="Cambria Math" panose="02040503050406030204" pitchFamily="18" charset="0"/>
+                                        </a:rPr>
+                                      </m:ctrlPr>
+                                    </m:sSubPr>
+                                    <m:e>
+                                      <m:r>
+                                        <a:rPr lang="en-US" i="1">
+                                          <a:latin typeface="Cambria Math" panose="02040503050406030204" pitchFamily="18" charset="0"/>
+                                        </a:rPr>
+                                        <m:t>𝑔</m:t>
+                                      </m:r>
+                                    </m:e>
+                                    <m:sub>
+                                      <m:r>
+                                        <a:rPr lang="en-US" i="1">
+                                          <a:latin typeface="Cambria Math" panose="02040503050406030204" pitchFamily="18" charset="0"/>
+                                        </a:rPr>
+                                        <m:t>2</m:t>
+                                      </m:r>
+                                    </m:sub>
+                                  </m:sSub>
+                                </m:e>
+                              </m:d>
+                            </m:e>
+                          </m:d>
+                          <m:r>
+                            <a:rPr lang="en-US" i="1">
+                              <a:latin typeface="Cambria Math" panose="02040503050406030204" pitchFamily="18" charset="0"/>
+                            </a:rPr>
+                            <m:t>=</m:t>
+                          </m:r>
+                          <m:r>
+                            <a:rPr lang="en-US" i="1">
+                              <a:latin typeface="Cambria Math" panose="02040503050406030204" pitchFamily="18" charset="0"/>
+                            </a:rPr>
+                            <m:t>𝑃</m:t>
+                          </m:r>
+                          <m:r>
+                            <a:rPr lang="en-US" i="1">
+                              <a:latin typeface="Cambria Math" panose="02040503050406030204" pitchFamily="18" charset="0"/>
+                            </a:rPr>
+                            <m:t>(</m:t>
+                          </m:r>
+                          <m:r>
+                            <a:rPr lang="en-US" i="1">
+                              <a:latin typeface="Cambria Math" panose="02040503050406030204" pitchFamily="18" charset="0"/>
+                            </a:rPr>
+                            <m:t>𝑓</m:t>
+                          </m:r>
+                        </m:e>
+                        <m:sub>
+                          <m:r>
+                            <a:rPr lang="en-US" i="1">
+                              <a:latin typeface="Cambria Math" panose="02040503050406030204" pitchFamily="18" charset="0"/>
+                            </a:rPr>
+                            <m:t>1</m:t>
+                          </m:r>
+                        </m:sub>
+                      </m:sSub>
+                      <m:r>
+                        <a:rPr lang="en-US" i="1">
+                          <a:latin typeface="Cambria Math" panose="02040503050406030204" pitchFamily="18" charset="0"/>
+                        </a:rPr>
+                        <m:t>)</m:t>
+                      </m:r>
+                    </m:oMath>
+                  </m:oMathPara>
+                </a14:m>
+                <a:endParaRPr lang="en-US" i="1" dirty="0">
+                  <a:latin typeface="Cambria Math" panose="02040503050406030204" pitchFamily="18" charset="0"/>
+                </a:endParaRPr>
+              </a:p>
+              <a:p>
+                <a14:m>
+                  <m:oMath xmlns:m="http://schemas.openxmlformats.org/officeDocument/2006/math">
+                    <m:sSub>
+                      <m:sSubPr>
+                        <m:ctrlPr>
+                          <a:rPr lang="en-US" i="1">
+                            <a:latin typeface="Cambria Math" panose="02040503050406030204" pitchFamily="18" charset="0"/>
+                          </a:rPr>
+                        </m:ctrlPr>
+                      </m:sSubPr>
+                      <m:e>
+                        <m:r>
+                          <a:rPr lang="en-US" i="1">
+                            <a:latin typeface="Cambria Math" panose="02040503050406030204" pitchFamily="18" charset="0"/>
+                          </a:rPr>
+                          <m:t>𝑃</m:t>
+                        </m:r>
+                        <m:r>
+                          <a:rPr lang="en-US" i="1">
+                            <a:latin typeface="Cambria Math" panose="02040503050406030204" pitchFamily="18" charset="0"/>
+                          </a:rPr>
+                          <m:t> (¬</m:t>
+                        </m:r>
+                        <m:r>
+                          <a:rPr lang="en-US" i="1">
+                            <a:latin typeface="Cambria Math" panose="02040503050406030204" pitchFamily="18" charset="0"/>
+                          </a:rPr>
+                          <m:t>𝑔</m:t>
+                        </m:r>
+                      </m:e>
+                      <m:sub>
+                        <m:r>
+                          <a:rPr lang="en-US" i="1">
+                            <a:latin typeface="Cambria Math" panose="02040503050406030204" pitchFamily="18" charset="0"/>
+                          </a:rPr>
+                          <m:t>3</m:t>
+                        </m:r>
+                      </m:sub>
+                    </m:sSub>
+                    <m:r>
+                      <a:rPr lang="en-US" i="1">
+                        <a:latin typeface="Cambria Math" panose="02040503050406030204" pitchFamily="18" charset="0"/>
+                      </a:rPr>
+                      <m:t>)</m:t>
+                    </m:r>
+                    <m:r>
+                      <a:rPr lang="en-US" i="1">
+                        <a:latin typeface="Cambria Math" panose="02040503050406030204" pitchFamily="18" charset="0"/>
+                      </a:rPr>
+                      <m:t>=</m:t>
+                    </m:r>
+                    <m:r>
+                      <a:rPr lang="en-US" i="1">
+                        <a:latin typeface="Cambria Math" panose="02040503050406030204" pitchFamily="18" charset="0"/>
+                      </a:rPr>
+                      <m:t>𝑃</m:t>
+                    </m:r>
+                    <m:d>
+                      <m:dPr>
+                        <m:ctrlPr>
+                          <a:rPr lang="en-US" i="1">
+                            <a:latin typeface="Cambria Math" panose="02040503050406030204" pitchFamily="18" charset="0"/>
+                          </a:rPr>
+                        </m:ctrlPr>
+                      </m:dPr>
+                      <m:e>
+                        <m:r>
+                          <a:rPr lang="en-US" i="1">
+                            <a:latin typeface="Cambria Math" panose="02040503050406030204" pitchFamily="18" charset="0"/>
+                          </a:rPr>
+                          <m:t>𝑀𝑖𝑛𝐶𝑢𝑡𝑆𝑒𝑡</m:t>
+                        </m:r>
+                        <m:d>
+                          <m:dPr>
+                            <m:ctrlPr>
+                              <a:rPr lang="en-US" i="1">
+                                <a:latin typeface="Cambria Math" panose="02040503050406030204" pitchFamily="18" charset="0"/>
+                              </a:rPr>
+                            </m:ctrlPr>
+                          </m:dPr>
+                          <m:e>
+                            <m:sSub>
+                              <m:sSubPr>
+                                <m:ctrlPr>
+                                  <a:rPr lang="en-US" i="1">
+                                    <a:latin typeface="Cambria Math" panose="02040503050406030204" pitchFamily="18" charset="0"/>
+                                  </a:rPr>
+                                </m:ctrlPr>
+                              </m:sSubPr>
+                              <m:e>
+                                <m:r>
+                                  <a:rPr lang="en-US" i="1">
+                                    <a:latin typeface="Cambria Math" panose="02040503050406030204" pitchFamily="18" charset="0"/>
+                                  </a:rPr>
+                                  <m:t>𝑔</m:t>
+                                </m:r>
+                              </m:e>
+                              <m:sub>
+                                <m:r>
+                                  <a:rPr lang="en-US" i="1">
+                                    <a:latin typeface="Cambria Math" panose="02040503050406030204" pitchFamily="18" charset="0"/>
+                                  </a:rPr>
+                                  <m:t>3</m:t>
+                                </m:r>
+                              </m:sub>
+                            </m:sSub>
+                          </m:e>
+                        </m:d>
+                      </m:e>
+                    </m:d>
+                  </m:oMath>
+                </a14:m>
+                <a:r>
+                  <a:rPr lang="en-US" i="1" dirty="0">
+                    <a:latin typeface="Cambria Math" panose="02040503050406030204" pitchFamily="18" charset="0"/>
+                  </a:rPr>
+                  <a:t> =</a:t>
+                </a:r>
+                <a:r>
+                  <a:rPr lang="en-US" i="1" dirty="0">
+                    <a:latin typeface="Cambria Math" panose="02040503050406030204" pitchFamily="18" charset="0"/>
+                  </a:rPr>
+                  <a:t> </a:t>
+                </a:r>
+                <a14:m>
+                  <m:oMath xmlns:m="http://schemas.openxmlformats.org/officeDocument/2006/math">
+                    <m:sSub>
+                      <m:sSubPr>
+                        <m:ctrlPr>
+                          <a:rPr lang="en-US" i="1">
+                            <a:latin typeface="Cambria Math" panose="02040503050406030204" pitchFamily="18" charset="0"/>
+                          </a:rPr>
+                        </m:ctrlPr>
+                      </m:sSubPr>
+                      <m:e>
+                        <m:r>
+                          <a:rPr lang="en-US" i="1">
+                            <a:latin typeface="Cambria Math" panose="02040503050406030204" pitchFamily="18" charset="0"/>
+                          </a:rPr>
+                          <m:t>𝑃</m:t>
+                        </m:r>
+                        <m:r>
+                          <a:rPr lang="en-US" i="1">
+                            <a:latin typeface="Cambria Math" panose="02040503050406030204" pitchFamily="18" charset="0"/>
+                          </a:rPr>
+                          <m:t>(</m:t>
+                        </m:r>
+                        <m:r>
+                          <a:rPr lang="en-US" i="1">
+                            <a:latin typeface="Cambria Math" panose="02040503050406030204" pitchFamily="18" charset="0"/>
+                          </a:rPr>
+                          <m:t>𝑓</m:t>
+                        </m:r>
+                      </m:e>
+                      <m:sub>
+                        <m:r>
+                          <a:rPr lang="en-US" i="1">
+                            <a:latin typeface="Cambria Math" panose="02040503050406030204" pitchFamily="18" charset="0"/>
+                          </a:rPr>
+                          <m:t>1</m:t>
+                        </m:r>
+                      </m:sub>
+                    </m:sSub>
+                    <m:r>
+                      <a:rPr lang="en-US" i="1">
+                        <a:latin typeface="Cambria Math" panose="02040503050406030204" pitchFamily="18" charset="0"/>
+                      </a:rPr>
+                      <m:t>)∗</m:t>
+                    </m:r>
+                  </m:oMath>
+                </a14:m>
+                <a:r>
+                  <a:rPr lang="en-US" dirty="0"/>
+                  <a:t> </a:t>
+                </a:r>
+                <a14:m>
+                  <m:oMath xmlns:m="http://schemas.openxmlformats.org/officeDocument/2006/math">
+                    <m:sSub>
+                      <m:sSubPr>
+                        <m:ctrlPr>
+                          <a:rPr lang="en-US" i="1">
+                            <a:latin typeface="Cambria Math" panose="02040503050406030204" pitchFamily="18" charset="0"/>
+                          </a:rPr>
+                        </m:ctrlPr>
+                      </m:sSubPr>
+                      <m:e>
+                        <m:r>
+                          <a:rPr lang="en-US" i="1">
+                            <a:latin typeface="Cambria Math" panose="02040503050406030204" pitchFamily="18" charset="0"/>
+                          </a:rPr>
+                          <m:t>𝑃</m:t>
+                        </m:r>
+                        <m:r>
+                          <a:rPr lang="en-US" i="1">
+                            <a:latin typeface="Cambria Math" panose="02040503050406030204" pitchFamily="18" charset="0"/>
+                          </a:rPr>
+                          <m:t>(</m:t>
+                        </m:r>
+                        <m:r>
+                          <a:rPr lang="en-US" i="1">
+                            <a:latin typeface="Cambria Math" panose="02040503050406030204" pitchFamily="18" charset="0"/>
+                          </a:rPr>
+                          <m:t>𝑓</m:t>
+                        </m:r>
+                      </m:e>
+                      <m:sub>
+                        <m:r>
+                          <a:rPr lang="en-US" i="1">
+                            <a:latin typeface="Cambria Math" panose="02040503050406030204" pitchFamily="18" charset="0"/>
+                          </a:rPr>
+                          <m:t>2</m:t>
+                        </m:r>
+                      </m:sub>
+                    </m:sSub>
+                    <m:r>
+                      <a:rPr lang="en-US" i="1">
+                        <a:latin typeface="Cambria Math" panose="02040503050406030204" pitchFamily="18" charset="0"/>
+                      </a:rPr>
+                      <m:t>)</m:t>
+                    </m:r>
+                  </m:oMath>
+                </a14:m>
+                <a:endParaRPr lang="en-US" i="1" dirty="0">
+                  <a:latin typeface="Cambria Math" panose="02040503050406030204" pitchFamily="18" charset="0"/>
+                </a:endParaRPr>
+              </a:p>
+            </p:txBody>
+          </p:sp>
+        </mc:Choice>
+        <mc:Fallback>
+          <p:sp>
+            <p:nvSpPr>
+              <p:cNvPr id="24" name="TextBox 23"/>
+              <p:cNvSpPr txBox="1">
+                <a:spLocks noRot="1" noChangeAspect="1" noMove="1" noResize="1" noEditPoints="1" noAdjustHandles="1" noChangeArrowheads="1" noChangeShapeType="1" noTextEdit="1"/>
+              </p:cNvSpPr>
+              <p:nvPr/>
+            </p:nvSpPr>
+            <p:spPr>
+              <a:xfrm>
+                <a:off x="6449975" y="1119372"/>
+                <a:ext cx="4742324" cy="717632"/>
+              </a:xfrm>
+              <a:prstGeom prst="rect">
+                <a:avLst/>
+              </a:prstGeom>
+              <a:blipFill>
+                <a:blip r:embed="rId4"/>
+                <a:stretch>
+                  <a:fillRect b="-10256"/>
+                </a:stretch>
+              </a:blipFill>
+            </p:spPr>
+            <p:txBody>
+              <a:bodyPr/>
+              <a:lstStyle/>
+              <a:p>
+                <a:r>
+                  <a:rPr lang="en-US">
+                    <a:noFill/>
+                  </a:rPr>
+                  <a:t> </a:t>
+                </a:r>
+              </a:p>
+            </p:txBody>
+          </p:sp>
+        </mc:Fallback>
+      </mc:AlternateContent>
+      <p:sp>
+        <p:nvSpPr>
+          <p:cNvPr id="25" name="TextBox 24"/>
+          <p:cNvSpPr txBox="1"/>
+          <p:nvPr/>
+        </p:nvSpPr>
+        <p:spPr>
+          <a:xfrm>
+            <a:off x="266824" y="1268835"/>
+            <a:ext cx="5772029" cy="1477328"/>
+          </a:xfrm>
+          <a:prstGeom prst="rect">
+            <a:avLst/>
+          </a:prstGeom>
+          <a:noFill/>
+        </p:spPr>
+        <p:txBody>
+          <a:bodyPr wrap="none" rtlCol="0">
+            <a:spAutoFit/>
+          </a:bodyPr>
+          <a:lstStyle/>
+          <a:p>
+            <a:r>
+              <a:rPr lang="en-US" u="sng" dirty="0"/>
+              <a:t>A naïve probability replacement: </a:t>
+            </a:r>
+          </a:p>
+          <a:p>
+            <a:pPr marL="285750" indent="-285750">
+              <a:buFont typeface="Courier New" panose="02070309020205020404" pitchFamily="49" charset="0"/>
+              <a:buChar char="o"/>
+            </a:pPr>
+            <a:r>
+              <a:rPr lang="en-US" dirty="0"/>
+              <a:t>Replace guarantees </a:t>
+            </a:r>
+            <a:r>
+              <a:rPr lang="en-US" dirty="0" smtClean="0"/>
+              <a:t>with probability </a:t>
+            </a:r>
+            <a:r>
+              <a:rPr lang="en-US" dirty="0"/>
+              <a:t>of their </a:t>
+            </a:r>
+            <a:r>
+              <a:rPr lang="en-US" dirty="0" smtClean="0"/>
+              <a:t>MinCutSets</a:t>
+            </a:r>
+          </a:p>
+          <a:p>
+            <a:endParaRPr lang="en-US" dirty="0" smtClean="0"/>
+          </a:p>
+          <a:p>
+            <a:pPr marL="285750" indent="-285750">
+              <a:buFont typeface="Courier New" panose="02070309020205020404" pitchFamily="49" charset="0"/>
+              <a:buChar char="o"/>
+            </a:pPr>
+            <a:r>
+              <a:rPr lang="en-US" dirty="0"/>
+              <a:t>Roll computations from bottom up. </a:t>
+            </a:r>
+          </a:p>
+          <a:p>
+            <a:pPr marL="285750" indent="-285750">
+              <a:buFont typeface="Courier New" panose="02070309020205020404" pitchFamily="49" charset="0"/>
+              <a:buChar char="o"/>
+            </a:pPr>
+            <a:endParaRPr lang="en-US" dirty="0"/>
+          </a:p>
+        </p:txBody>
+      </p:sp>
+      <p:sp>
+        <p:nvSpPr>
+          <p:cNvPr id="5" name="TextBox 4"/>
+          <p:cNvSpPr txBox="1"/>
+          <p:nvPr/>
+        </p:nvSpPr>
+        <p:spPr>
+          <a:xfrm>
+            <a:off x="6243144" y="4393324"/>
+            <a:ext cx="5093317" cy="954107"/>
+          </a:xfrm>
+          <a:prstGeom prst="rect">
+            <a:avLst/>
+          </a:prstGeom>
+          <a:noFill/>
+        </p:spPr>
+        <p:txBody>
+          <a:bodyPr wrap="none" rtlCol="0">
+            <a:spAutoFit/>
+          </a:bodyPr>
+          <a:lstStyle/>
+          <a:p>
+            <a:r>
+              <a:rPr lang="en-US" sz="2800" dirty="0" smtClean="0"/>
+              <a:t>Unsafe approximation: we report </a:t>
+            </a:r>
+          </a:p>
+          <a:p>
+            <a:r>
+              <a:rPr lang="en-US" sz="2800" dirty="0"/>
+              <a:t>l</a:t>
+            </a:r>
+            <a:r>
+              <a:rPr lang="en-US" sz="2800" dirty="0" smtClean="0"/>
+              <a:t>ower probability than actual.</a:t>
+            </a:r>
+            <a:endParaRPr lang="en-US" sz="2800" dirty="0"/>
+          </a:p>
+        </p:txBody>
+      </p:sp>
+    </p:spTree>
+    <p:extLst>
+      <p:ext uri="{BB962C8B-B14F-4D97-AF65-F5344CB8AC3E}">
+        <p14:creationId xmlns:p14="http://schemas.microsoft.com/office/powerpoint/2010/main" val="3569916381"/>
       </p:ext>
     </p:extLst>
   </p:cSld>
